--- a/C语言小组汇报PPT.pptx
+++ b/C语言小组汇报PPT.pptx
@@ -23,6 +23,14 @@
     <p:sldId id="269" r:id="rId16"/>
     <p:sldId id="271" r:id="rId17"/>
     <p:sldId id="272" r:id="rId18"/>
+    <p:sldId id="279" r:id="rId19"/>
+    <p:sldId id="280" r:id="rId20"/>
+    <p:sldId id="273" r:id="rId21"/>
+    <p:sldId id="274" r:id="rId22"/>
+    <p:sldId id="277" r:id="rId23"/>
+    <p:sldId id="275" r:id="rId24"/>
+    <p:sldId id="276" r:id="rId25"/>
+    <p:sldId id="278" r:id="rId26"/>
   </p:sldIdLst>
   <p:sldSz cx="12192000" cy="6858000"/>
   <p:notesSz cx="6858000" cy="9144000"/>
@@ -285,39 +293,39 @@
           <a:p>
             <a:pPr lvl="0"/>
             <a:r>
-              <a:rPr lang="zh-CN" altLang="en-US" smtClean="0"/>
+              <a:rPr lang="zh-CN" altLang="en-US"/>
               <a:t>单击此处编辑母版文本样式</a:t>
             </a:r>
-            <a:endParaRPr lang="zh-CN" altLang="en-US" smtClean="0"/>
+            <a:endParaRPr lang="zh-CN" altLang="en-US"/>
           </a:p>
           <a:p>
             <a:pPr lvl="1"/>
             <a:r>
-              <a:rPr lang="zh-CN" altLang="en-US" smtClean="0"/>
+              <a:rPr lang="zh-CN" altLang="en-US"/>
               <a:t>第二级</a:t>
             </a:r>
-            <a:endParaRPr lang="zh-CN" altLang="en-US" smtClean="0"/>
+            <a:endParaRPr lang="zh-CN" altLang="en-US"/>
           </a:p>
           <a:p>
             <a:pPr lvl="2"/>
             <a:r>
-              <a:rPr lang="zh-CN" altLang="en-US" smtClean="0"/>
+              <a:rPr lang="zh-CN" altLang="en-US"/>
               <a:t>第三级</a:t>
             </a:r>
-            <a:endParaRPr lang="zh-CN" altLang="en-US" smtClean="0"/>
+            <a:endParaRPr lang="zh-CN" altLang="en-US"/>
           </a:p>
           <a:p>
             <a:pPr lvl="3"/>
             <a:r>
-              <a:rPr lang="zh-CN" altLang="en-US" smtClean="0"/>
+              <a:rPr lang="zh-CN" altLang="en-US"/>
               <a:t>第四级</a:t>
             </a:r>
-            <a:endParaRPr lang="zh-CN" altLang="en-US" smtClean="0"/>
+            <a:endParaRPr lang="zh-CN" altLang="en-US"/>
           </a:p>
           <a:p>
             <a:pPr lvl="4"/>
             <a:r>
-              <a:rPr lang="zh-CN" altLang="en-US" smtClean="0"/>
+              <a:rPr lang="zh-CN" altLang="en-US"/>
               <a:t>第五级</a:t>
             </a:r>
             <a:endParaRPr lang="zh-CN" altLang="en-US"/>
@@ -496,12 +504,19 @@
         <p:cNvGrpSpPr/>
         <p:nvPr/>
       </p:nvGrpSpPr>
-      <p:grpSpPr/>
+      <p:grpSpPr>
+        <a:xfrm>
+          <a:off x="0" y="0"/>
+          <a:ext cx="0" cy="0"/>
+          <a:chOff x="0" y="0"/>
+          <a:chExt cx="0" cy="0"/>
+        </a:xfrm>
+      </p:grpSpPr>
       <p:sp>
         <p:nvSpPr>
           <p:cNvPr id="2" name="幻灯片图像占位符 1"/>
           <p:cNvSpPr>
-            <a:spLocks noGrp="1"/>
+            <a:spLocks noGrp="1" noRot="1" noChangeAspect="1"/>
           </p:cNvSpPr>
           <p:nvPr>
             <p:ph type="sldImg" idx="2"/>
@@ -522,6 +537,7 @@
         <p:spPr/>
         <p:txBody>
           <a:bodyPr/>
+          <a:lstStyle/>
           <a:p>
             <a:endParaRPr lang="zh-CN" altLang="en-US"/>
           </a:p>
@@ -577,7 +593,7 @@
           </a:lstStyle>
           <a:p>
             <a:r>
-              <a:rPr lang="zh-CN" altLang="en-US" smtClean="0"/>
+              <a:rPr lang="zh-CN" altLang="en-US"/>
               <a:t>单击此处编辑母版标题样式</a:t>
             </a:r>
             <a:endParaRPr lang="zh-CN" altLang="en-US"/>
@@ -642,7 +658,7 @@
           </a:lstStyle>
           <a:p>
             <a:r>
-              <a:rPr lang="zh-CN" altLang="en-US" smtClean="0"/>
+              <a:rPr lang="zh-CN" altLang="en-US"/>
               <a:t>单击此处编辑母版副标题样式</a:t>
             </a:r>
             <a:endParaRPr lang="zh-CN" altLang="en-US"/>
@@ -753,7 +769,7 @@
           <a:lstStyle/>
           <a:p>
             <a:r>
-              <a:rPr lang="zh-CN" altLang="en-US" smtClean="0"/>
+              <a:rPr lang="zh-CN" altLang="en-US"/>
               <a:t>单击此处编辑母版标题样式</a:t>
             </a:r>
             <a:endParaRPr lang="zh-CN" altLang="en-US"/>
@@ -777,39 +793,39 @@
           <a:p>
             <a:pPr lvl="0"/>
             <a:r>
-              <a:rPr lang="zh-CN" altLang="en-US" smtClean="0"/>
+              <a:rPr lang="zh-CN" altLang="en-US"/>
               <a:t>单击此处编辑母版文本样式</a:t>
             </a:r>
-            <a:endParaRPr lang="zh-CN" altLang="en-US" smtClean="0"/>
+            <a:endParaRPr lang="zh-CN" altLang="en-US"/>
           </a:p>
           <a:p>
             <a:pPr lvl="1"/>
             <a:r>
-              <a:rPr lang="zh-CN" altLang="en-US" smtClean="0"/>
+              <a:rPr lang="zh-CN" altLang="en-US"/>
               <a:t>第二级</a:t>
             </a:r>
-            <a:endParaRPr lang="zh-CN" altLang="en-US" smtClean="0"/>
+            <a:endParaRPr lang="zh-CN" altLang="en-US"/>
           </a:p>
           <a:p>
             <a:pPr lvl="2"/>
             <a:r>
-              <a:rPr lang="zh-CN" altLang="en-US" smtClean="0"/>
+              <a:rPr lang="zh-CN" altLang="en-US"/>
               <a:t>第三级</a:t>
             </a:r>
-            <a:endParaRPr lang="zh-CN" altLang="en-US" smtClean="0"/>
+            <a:endParaRPr lang="zh-CN" altLang="en-US"/>
           </a:p>
           <a:p>
             <a:pPr lvl="3"/>
             <a:r>
-              <a:rPr lang="zh-CN" altLang="en-US" smtClean="0"/>
+              <a:rPr lang="zh-CN" altLang="en-US"/>
               <a:t>第四级</a:t>
             </a:r>
-            <a:endParaRPr lang="zh-CN" altLang="en-US" smtClean="0"/>
+            <a:endParaRPr lang="zh-CN" altLang="en-US"/>
           </a:p>
           <a:p>
             <a:pPr lvl="4"/>
             <a:r>
-              <a:rPr lang="zh-CN" altLang="en-US" smtClean="0"/>
+              <a:rPr lang="zh-CN" altLang="en-US"/>
               <a:t>第五级</a:t>
             </a:r>
             <a:endParaRPr lang="zh-CN" altLang="en-US"/>
@@ -925,7 +941,7 @@
           <a:lstStyle/>
           <a:p>
             <a:r>
-              <a:rPr lang="zh-CN" altLang="en-US" smtClean="0"/>
+              <a:rPr lang="zh-CN" altLang="en-US"/>
               <a:t>单击此处编辑母版标题样式</a:t>
             </a:r>
             <a:endParaRPr lang="zh-CN" altLang="en-US"/>
@@ -954,39 +970,39 @@
           <a:p>
             <a:pPr lvl="0"/>
             <a:r>
-              <a:rPr lang="zh-CN" altLang="en-US" smtClean="0"/>
+              <a:rPr lang="zh-CN" altLang="en-US"/>
               <a:t>单击此处编辑母版文本样式</a:t>
             </a:r>
-            <a:endParaRPr lang="zh-CN" altLang="en-US" smtClean="0"/>
+            <a:endParaRPr lang="zh-CN" altLang="en-US"/>
           </a:p>
           <a:p>
             <a:pPr lvl="1"/>
             <a:r>
-              <a:rPr lang="zh-CN" altLang="en-US" smtClean="0"/>
+              <a:rPr lang="zh-CN" altLang="en-US"/>
               <a:t>第二级</a:t>
             </a:r>
-            <a:endParaRPr lang="zh-CN" altLang="en-US" smtClean="0"/>
+            <a:endParaRPr lang="zh-CN" altLang="en-US"/>
           </a:p>
           <a:p>
             <a:pPr lvl="2"/>
             <a:r>
-              <a:rPr lang="zh-CN" altLang="en-US" smtClean="0"/>
+              <a:rPr lang="zh-CN" altLang="en-US"/>
               <a:t>第三级</a:t>
             </a:r>
-            <a:endParaRPr lang="zh-CN" altLang="en-US" smtClean="0"/>
+            <a:endParaRPr lang="zh-CN" altLang="en-US"/>
           </a:p>
           <a:p>
             <a:pPr lvl="3"/>
             <a:r>
-              <a:rPr lang="zh-CN" altLang="en-US" smtClean="0"/>
+              <a:rPr lang="zh-CN" altLang="en-US"/>
               <a:t>第四级</a:t>
             </a:r>
-            <a:endParaRPr lang="zh-CN" altLang="en-US" smtClean="0"/>
+            <a:endParaRPr lang="zh-CN" altLang="en-US"/>
           </a:p>
           <a:p>
             <a:pPr lvl="4"/>
             <a:r>
-              <a:rPr lang="zh-CN" altLang="en-US" smtClean="0"/>
+              <a:rPr lang="zh-CN" altLang="en-US"/>
               <a:t>第五级</a:t>
             </a:r>
             <a:endParaRPr lang="zh-CN" altLang="en-US"/>
@@ -1097,7 +1113,7 @@
           <a:lstStyle/>
           <a:p>
             <a:r>
-              <a:rPr lang="zh-CN" altLang="en-US" smtClean="0"/>
+              <a:rPr lang="zh-CN" altLang="en-US"/>
               <a:t>单击此处编辑母版标题样式</a:t>
             </a:r>
             <a:endParaRPr lang="zh-CN" altLang="en-US"/>
@@ -1121,39 +1137,39 @@
           <a:p>
             <a:pPr lvl="0"/>
             <a:r>
-              <a:rPr lang="zh-CN" altLang="en-US" smtClean="0"/>
+              <a:rPr lang="zh-CN" altLang="en-US"/>
               <a:t>单击此处编辑母版文本样式</a:t>
             </a:r>
-            <a:endParaRPr lang="zh-CN" altLang="en-US" smtClean="0"/>
+            <a:endParaRPr lang="zh-CN" altLang="en-US"/>
           </a:p>
           <a:p>
             <a:pPr lvl="1"/>
             <a:r>
-              <a:rPr lang="zh-CN" altLang="en-US" smtClean="0"/>
+              <a:rPr lang="zh-CN" altLang="en-US"/>
               <a:t>第二级</a:t>
             </a:r>
-            <a:endParaRPr lang="zh-CN" altLang="en-US" smtClean="0"/>
+            <a:endParaRPr lang="zh-CN" altLang="en-US"/>
           </a:p>
           <a:p>
             <a:pPr lvl="2"/>
             <a:r>
-              <a:rPr lang="zh-CN" altLang="en-US" smtClean="0"/>
+              <a:rPr lang="zh-CN" altLang="en-US"/>
               <a:t>第三级</a:t>
             </a:r>
-            <a:endParaRPr lang="zh-CN" altLang="en-US" smtClean="0"/>
+            <a:endParaRPr lang="zh-CN" altLang="en-US"/>
           </a:p>
           <a:p>
             <a:pPr lvl="3"/>
             <a:r>
-              <a:rPr lang="zh-CN" altLang="en-US" smtClean="0"/>
+              <a:rPr lang="zh-CN" altLang="en-US"/>
               <a:t>第四级</a:t>
             </a:r>
-            <a:endParaRPr lang="zh-CN" altLang="en-US" smtClean="0"/>
+            <a:endParaRPr lang="zh-CN" altLang="en-US"/>
           </a:p>
           <a:p>
             <a:pPr lvl="4"/>
             <a:r>
-              <a:rPr lang="zh-CN" altLang="en-US" smtClean="0"/>
+              <a:rPr lang="zh-CN" altLang="en-US"/>
               <a:t>第五级</a:t>
             </a:r>
             <a:endParaRPr lang="zh-CN" altLang="en-US"/>
@@ -1273,7 +1289,7 @@
           </a:lstStyle>
           <a:p>
             <a:r>
-              <a:rPr lang="zh-CN" altLang="en-US" smtClean="0"/>
+              <a:rPr lang="zh-CN" altLang="en-US"/>
               <a:t>单击此处编辑母版标题样式</a:t>
             </a:r>
             <a:endParaRPr lang="zh-CN" altLang="en-US"/>
@@ -1393,10 +1409,10 @@
           <a:p>
             <a:pPr lvl="0"/>
             <a:r>
-              <a:rPr lang="zh-CN" altLang="en-US" smtClean="0"/>
+              <a:rPr lang="zh-CN" altLang="en-US"/>
               <a:t>单击此处编辑母版文本样式</a:t>
             </a:r>
-            <a:endParaRPr lang="zh-CN" altLang="en-US" smtClean="0"/>
+            <a:endParaRPr lang="zh-CN" altLang="en-US"/>
           </a:p>
         </p:txBody>
       </p:sp>
@@ -1504,7 +1520,7 @@
           <a:lstStyle/>
           <a:p>
             <a:r>
-              <a:rPr lang="zh-CN" altLang="en-US" smtClean="0"/>
+              <a:rPr lang="zh-CN" altLang="en-US"/>
               <a:t>单击此处编辑母版标题样式</a:t>
             </a:r>
             <a:endParaRPr lang="zh-CN" altLang="en-US"/>
@@ -1533,39 +1549,39 @@
           <a:p>
             <a:pPr lvl="0"/>
             <a:r>
-              <a:rPr lang="zh-CN" altLang="en-US" smtClean="0"/>
+              <a:rPr lang="zh-CN" altLang="en-US"/>
               <a:t>单击此处编辑母版文本样式</a:t>
             </a:r>
-            <a:endParaRPr lang="zh-CN" altLang="en-US" smtClean="0"/>
+            <a:endParaRPr lang="zh-CN" altLang="en-US"/>
           </a:p>
           <a:p>
             <a:pPr lvl="1"/>
             <a:r>
-              <a:rPr lang="zh-CN" altLang="en-US" smtClean="0"/>
+              <a:rPr lang="zh-CN" altLang="en-US"/>
               <a:t>第二级</a:t>
             </a:r>
-            <a:endParaRPr lang="zh-CN" altLang="en-US" smtClean="0"/>
+            <a:endParaRPr lang="zh-CN" altLang="en-US"/>
           </a:p>
           <a:p>
             <a:pPr lvl="2"/>
             <a:r>
-              <a:rPr lang="zh-CN" altLang="en-US" smtClean="0"/>
+              <a:rPr lang="zh-CN" altLang="en-US"/>
               <a:t>第三级</a:t>
             </a:r>
-            <a:endParaRPr lang="zh-CN" altLang="en-US" smtClean="0"/>
+            <a:endParaRPr lang="zh-CN" altLang="en-US"/>
           </a:p>
           <a:p>
             <a:pPr lvl="3"/>
             <a:r>
-              <a:rPr lang="zh-CN" altLang="en-US" smtClean="0"/>
+              <a:rPr lang="zh-CN" altLang="en-US"/>
               <a:t>第四级</a:t>
             </a:r>
-            <a:endParaRPr lang="zh-CN" altLang="en-US" smtClean="0"/>
+            <a:endParaRPr lang="zh-CN" altLang="en-US"/>
           </a:p>
           <a:p>
             <a:pPr lvl="4"/>
             <a:r>
-              <a:rPr lang="zh-CN" altLang="en-US" smtClean="0"/>
+              <a:rPr lang="zh-CN" altLang="en-US"/>
               <a:t>第五级</a:t>
             </a:r>
             <a:endParaRPr lang="zh-CN" altLang="en-US"/>
@@ -1594,39 +1610,39 @@
           <a:p>
             <a:pPr lvl="0"/>
             <a:r>
-              <a:rPr lang="zh-CN" altLang="en-US" smtClean="0"/>
+              <a:rPr lang="zh-CN" altLang="en-US"/>
               <a:t>单击此处编辑母版文本样式</a:t>
             </a:r>
-            <a:endParaRPr lang="zh-CN" altLang="en-US" smtClean="0"/>
+            <a:endParaRPr lang="zh-CN" altLang="en-US"/>
           </a:p>
           <a:p>
             <a:pPr lvl="1"/>
             <a:r>
-              <a:rPr lang="zh-CN" altLang="en-US" smtClean="0"/>
+              <a:rPr lang="zh-CN" altLang="en-US"/>
               <a:t>第二级</a:t>
             </a:r>
-            <a:endParaRPr lang="zh-CN" altLang="en-US" smtClean="0"/>
+            <a:endParaRPr lang="zh-CN" altLang="en-US"/>
           </a:p>
           <a:p>
             <a:pPr lvl="2"/>
             <a:r>
-              <a:rPr lang="zh-CN" altLang="en-US" smtClean="0"/>
+              <a:rPr lang="zh-CN" altLang="en-US"/>
               <a:t>第三级</a:t>
             </a:r>
-            <a:endParaRPr lang="zh-CN" altLang="en-US" smtClean="0"/>
+            <a:endParaRPr lang="zh-CN" altLang="en-US"/>
           </a:p>
           <a:p>
             <a:pPr lvl="3"/>
             <a:r>
-              <a:rPr lang="zh-CN" altLang="en-US" smtClean="0"/>
+              <a:rPr lang="zh-CN" altLang="en-US"/>
               <a:t>第四级</a:t>
             </a:r>
-            <a:endParaRPr lang="zh-CN" altLang="en-US" smtClean="0"/>
+            <a:endParaRPr lang="zh-CN" altLang="en-US"/>
           </a:p>
           <a:p>
             <a:pPr lvl="4"/>
             <a:r>
-              <a:rPr lang="zh-CN" altLang="en-US" smtClean="0"/>
+              <a:rPr lang="zh-CN" altLang="en-US"/>
               <a:t>第五级</a:t>
             </a:r>
             <a:endParaRPr lang="zh-CN" altLang="en-US"/>
@@ -1742,7 +1758,7 @@
           <a:lstStyle/>
           <a:p>
             <a:r>
-              <a:rPr lang="zh-CN" altLang="en-US" smtClean="0"/>
+              <a:rPr lang="zh-CN" altLang="en-US"/>
               <a:t>单击此处编辑母版标题样式</a:t>
             </a:r>
             <a:endParaRPr lang="zh-CN" altLang="en-US"/>
@@ -1808,10 +1824,10 @@
           <a:p>
             <a:pPr lvl="0"/>
             <a:r>
-              <a:rPr lang="zh-CN" altLang="en-US" smtClean="0"/>
+              <a:rPr lang="zh-CN" altLang="en-US"/>
               <a:t>单击此处编辑母版文本样式</a:t>
             </a:r>
-            <a:endParaRPr lang="zh-CN" altLang="en-US" smtClean="0"/>
+            <a:endParaRPr lang="zh-CN" altLang="en-US"/>
           </a:p>
         </p:txBody>
       </p:sp>
@@ -1837,39 +1853,39 @@
           <a:p>
             <a:pPr lvl="0"/>
             <a:r>
-              <a:rPr lang="zh-CN" altLang="en-US" smtClean="0"/>
+              <a:rPr lang="zh-CN" altLang="en-US"/>
               <a:t>单击此处编辑母版文本样式</a:t>
             </a:r>
-            <a:endParaRPr lang="zh-CN" altLang="en-US" smtClean="0"/>
+            <a:endParaRPr lang="zh-CN" altLang="en-US"/>
           </a:p>
           <a:p>
             <a:pPr lvl="1"/>
             <a:r>
-              <a:rPr lang="zh-CN" altLang="en-US" smtClean="0"/>
+              <a:rPr lang="zh-CN" altLang="en-US"/>
               <a:t>第二级</a:t>
             </a:r>
-            <a:endParaRPr lang="zh-CN" altLang="en-US" smtClean="0"/>
+            <a:endParaRPr lang="zh-CN" altLang="en-US"/>
           </a:p>
           <a:p>
             <a:pPr lvl="2"/>
             <a:r>
-              <a:rPr lang="zh-CN" altLang="en-US" smtClean="0"/>
+              <a:rPr lang="zh-CN" altLang="en-US"/>
               <a:t>第三级</a:t>
             </a:r>
-            <a:endParaRPr lang="zh-CN" altLang="en-US" smtClean="0"/>
+            <a:endParaRPr lang="zh-CN" altLang="en-US"/>
           </a:p>
           <a:p>
             <a:pPr lvl="3"/>
             <a:r>
-              <a:rPr lang="zh-CN" altLang="en-US" smtClean="0"/>
+              <a:rPr lang="zh-CN" altLang="en-US"/>
               <a:t>第四级</a:t>
             </a:r>
-            <a:endParaRPr lang="zh-CN" altLang="en-US" smtClean="0"/>
+            <a:endParaRPr lang="zh-CN" altLang="en-US"/>
           </a:p>
           <a:p>
             <a:pPr lvl="4"/>
             <a:r>
-              <a:rPr lang="zh-CN" altLang="en-US" smtClean="0"/>
+              <a:rPr lang="zh-CN" altLang="en-US"/>
               <a:t>第五级</a:t>
             </a:r>
             <a:endParaRPr lang="zh-CN" altLang="en-US"/>
@@ -1935,10 +1951,10 @@
           <a:p>
             <a:pPr lvl="0"/>
             <a:r>
-              <a:rPr lang="zh-CN" altLang="en-US" smtClean="0"/>
+              <a:rPr lang="zh-CN" altLang="en-US"/>
               <a:t>单击此处编辑母版文本样式</a:t>
             </a:r>
-            <a:endParaRPr lang="zh-CN" altLang="en-US" smtClean="0"/>
+            <a:endParaRPr lang="zh-CN" altLang="en-US"/>
           </a:p>
         </p:txBody>
       </p:sp>
@@ -1964,39 +1980,39 @@
           <a:p>
             <a:pPr lvl="0"/>
             <a:r>
-              <a:rPr lang="zh-CN" altLang="en-US" smtClean="0"/>
+              <a:rPr lang="zh-CN" altLang="en-US"/>
               <a:t>单击此处编辑母版文本样式</a:t>
             </a:r>
-            <a:endParaRPr lang="zh-CN" altLang="en-US" smtClean="0"/>
+            <a:endParaRPr lang="zh-CN" altLang="en-US"/>
           </a:p>
           <a:p>
             <a:pPr lvl="1"/>
             <a:r>
-              <a:rPr lang="zh-CN" altLang="en-US" smtClean="0"/>
+              <a:rPr lang="zh-CN" altLang="en-US"/>
               <a:t>第二级</a:t>
             </a:r>
-            <a:endParaRPr lang="zh-CN" altLang="en-US" smtClean="0"/>
+            <a:endParaRPr lang="zh-CN" altLang="en-US"/>
           </a:p>
           <a:p>
             <a:pPr lvl="2"/>
             <a:r>
-              <a:rPr lang="zh-CN" altLang="en-US" smtClean="0"/>
+              <a:rPr lang="zh-CN" altLang="en-US"/>
               <a:t>第三级</a:t>
             </a:r>
-            <a:endParaRPr lang="zh-CN" altLang="en-US" smtClean="0"/>
+            <a:endParaRPr lang="zh-CN" altLang="en-US"/>
           </a:p>
           <a:p>
             <a:pPr lvl="3"/>
             <a:r>
-              <a:rPr lang="zh-CN" altLang="en-US" smtClean="0"/>
+              <a:rPr lang="zh-CN" altLang="en-US"/>
               <a:t>第四级</a:t>
             </a:r>
-            <a:endParaRPr lang="zh-CN" altLang="en-US" smtClean="0"/>
+            <a:endParaRPr lang="zh-CN" altLang="en-US"/>
           </a:p>
           <a:p>
             <a:pPr lvl="4"/>
             <a:r>
-              <a:rPr lang="zh-CN" altLang="en-US" smtClean="0"/>
+              <a:rPr lang="zh-CN" altLang="en-US"/>
               <a:t>第五级</a:t>
             </a:r>
             <a:endParaRPr lang="zh-CN" altLang="en-US"/>
@@ -2107,7 +2123,7 @@
           <a:lstStyle/>
           <a:p>
             <a:r>
-              <a:rPr lang="zh-CN" altLang="en-US" smtClean="0"/>
+              <a:rPr lang="zh-CN" altLang="en-US"/>
               <a:t>单击此处编辑母版标题样式</a:t>
             </a:r>
             <a:endParaRPr lang="zh-CN" altLang="en-US"/>
@@ -2315,7 +2331,7 @@
           </a:lstStyle>
           <a:p>
             <a:r>
-              <a:rPr lang="zh-CN" altLang="en-US" smtClean="0"/>
+              <a:rPr lang="zh-CN" altLang="en-US"/>
               <a:t>单击此处编辑母版标题样式</a:t>
             </a:r>
             <a:endParaRPr lang="zh-CN" altLang="en-US"/>
@@ -2372,39 +2388,39 @@
           <a:p>
             <a:pPr lvl="0"/>
             <a:r>
-              <a:rPr lang="zh-CN" altLang="en-US" smtClean="0"/>
+              <a:rPr lang="zh-CN" altLang="en-US"/>
               <a:t>单击此处编辑母版文本样式</a:t>
             </a:r>
-            <a:endParaRPr lang="zh-CN" altLang="en-US" smtClean="0"/>
+            <a:endParaRPr lang="zh-CN" altLang="en-US"/>
           </a:p>
           <a:p>
             <a:pPr lvl="1"/>
             <a:r>
-              <a:rPr lang="zh-CN" altLang="en-US" smtClean="0"/>
+              <a:rPr lang="zh-CN" altLang="en-US"/>
               <a:t>第二级</a:t>
             </a:r>
-            <a:endParaRPr lang="zh-CN" altLang="en-US" smtClean="0"/>
+            <a:endParaRPr lang="zh-CN" altLang="en-US"/>
           </a:p>
           <a:p>
             <a:pPr lvl="2"/>
             <a:r>
-              <a:rPr lang="zh-CN" altLang="en-US" smtClean="0"/>
+              <a:rPr lang="zh-CN" altLang="en-US"/>
               <a:t>第三级</a:t>
             </a:r>
-            <a:endParaRPr lang="zh-CN" altLang="en-US" smtClean="0"/>
+            <a:endParaRPr lang="zh-CN" altLang="en-US"/>
           </a:p>
           <a:p>
             <a:pPr lvl="3"/>
             <a:r>
-              <a:rPr lang="zh-CN" altLang="en-US" smtClean="0"/>
+              <a:rPr lang="zh-CN" altLang="en-US"/>
               <a:t>第四级</a:t>
             </a:r>
-            <a:endParaRPr lang="zh-CN" altLang="en-US" smtClean="0"/>
+            <a:endParaRPr lang="zh-CN" altLang="en-US"/>
           </a:p>
           <a:p>
             <a:pPr lvl="4"/>
             <a:r>
-              <a:rPr lang="zh-CN" altLang="en-US" smtClean="0"/>
+              <a:rPr lang="zh-CN" altLang="en-US"/>
               <a:t>第五级</a:t>
             </a:r>
             <a:endParaRPr lang="zh-CN" altLang="en-US"/>
@@ -2470,10 +2486,10 @@
           <a:p>
             <a:pPr lvl="0"/>
             <a:r>
-              <a:rPr lang="zh-CN" altLang="en-US" smtClean="0"/>
+              <a:rPr lang="zh-CN" altLang="en-US"/>
               <a:t>单击此处编辑母版文本样式</a:t>
             </a:r>
-            <a:endParaRPr lang="zh-CN" altLang="en-US" smtClean="0"/>
+            <a:endParaRPr lang="zh-CN" altLang="en-US"/>
           </a:p>
         </p:txBody>
       </p:sp>
@@ -2590,7 +2606,7 @@
           </a:lstStyle>
           <a:p>
             <a:r>
-              <a:rPr lang="zh-CN" altLang="en-US" smtClean="0"/>
+              <a:rPr lang="zh-CN" altLang="en-US"/>
               <a:t>单击此处编辑母版标题样式</a:t>
             </a:r>
             <a:endParaRPr lang="zh-CN" altLang="en-US"/>
@@ -2717,10 +2733,10 @@
           <a:p>
             <a:pPr lvl="0"/>
             <a:r>
-              <a:rPr lang="zh-CN" altLang="en-US" smtClean="0"/>
+              <a:rPr lang="zh-CN" altLang="en-US"/>
               <a:t>单击此处编辑母版文本样式</a:t>
             </a:r>
-            <a:endParaRPr lang="zh-CN" altLang="en-US" smtClean="0"/>
+            <a:endParaRPr lang="zh-CN" altLang="en-US"/>
           </a:p>
         </p:txBody>
       </p:sp>
@@ -2843,7 +2859,7 @@
           <a:lstStyle/>
           <a:p>
             <a:r>
-              <a:rPr lang="zh-CN" altLang="en-US" smtClean="0"/>
+              <a:rPr lang="zh-CN" altLang="en-US"/>
               <a:t>单击此处编辑母版标题样式</a:t>
             </a:r>
             <a:endParaRPr lang="zh-CN" altLang="en-US"/>
@@ -2877,39 +2893,39 @@
           <a:p>
             <a:pPr lvl="0"/>
             <a:r>
-              <a:rPr lang="zh-CN" altLang="en-US" smtClean="0"/>
+              <a:rPr lang="zh-CN" altLang="en-US"/>
               <a:t>单击此处编辑母版文本样式</a:t>
             </a:r>
-            <a:endParaRPr lang="zh-CN" altLang="en-US" smtClean="0"/>
+            <a:endParaRPr lang="zh-CN" altLang="en-US"/>
           </a:p>
           <a:p>
             <a:pPr lvl="1"/>
             <a:r>
-              <a:rPr lang="zh-CN" altLang="en-US" smtClean="0"/>
+              <a:rPr lang="zh-CN" altLang="en-US"/>
               <a:t>第二级</a:t>
             </a:r>
-            <a:endParaRPr lang="zh-CN" altLang="en-US" smtClean="0"/>
+            <a:endParaRPr lang="zh-CN" altLang="en-US"/>
           </a:p>
           <a:p>
             <a:pPr lvl="2"/>
             <a:r>
-              <a:rPr lang="zh-CN" altLang="en-US" smtClean="0"/>
+              <a:rPr lang="zh-CN" altLang="en-US"/>
               <a:t>第三级</a:t>
             </a:r>
-            <a:endParaRPr lang="zh-CN" altLang="en-US" smtClean="0"/>
+            <a:endParaRPr lang="zh-CN" altLang="en-US"/>
           </a:p>
           <a:p>
             <a:pPr lvl="3"/>
             <a:r>
-              <a:rPr lang="zh-CN" altLang="en-US" smtClean="0"/>
+              <a:rPr lang="zh-CN" altLang="en-US"/>
               <a:t>第四级</a:t>
             </a:r>
-            <a:endParaRPr lang="zh-CN" altLang="en-US" smtClean="0"/>
+            <a:endParaRPr lang="zh-CN" altLang="en-US"/>
           </a:p>
           <a:p>
             <a:pPr lvl="4"/>
             <a:r>
-              <a:rPr lang="zh-CN" altLang="en-US" smtClean="0"/>
+              <a:rPr lang="zh-CN" altLang="en-US"/>
               <a:t>第五级</a:t>
             </a:r>
             <a:endParaRPr lang="zh-CN" altLang="en-US"/>
@@ -3341,7 +3357,14 @@
         <p:cNvGrpSpPr/>
         <p:nvPr/>
       </p:nvGrpSpPr>
-      <p:grpSpPr/>
+      <p:grpSpPr>
+        <a:xfrm>
+          <a:off x="0" y="0"/>
+          <a:ext cx="0" cy="0"/>
+          <a:chOff x="0" y="0"/>
+          <a:chExt cx="0" cy="0"/>
+        </a:xfrm>
+      </p:grpSpPr>
       <p:sp>
         <p:nvSpPr>
           <p:cNvPr id="2" name="标题 1"/>
@@ -3360,36 +3383,19 @@
         </p:spPr>
         <p:txBody>
           <a:bodyPr/>
-          <a:p>
-            <a:r>
-              <a:rPr lang="zh-CN" altLang="en-US" sz="7200" b="1">
+          <a:lstStyle/>
+          <a:p>
+            <a:r>
+              <a:rPr lang="zh-CN" altLang="en-US" sz="7200" b="1" dirty="0">
                 <a:latin typeface="黑体" panose="02010609060101010101" charset="-122"/>
                 <a:ea typeface="黑体" panose="02010609060101010101" charset="-122"/>
               </a:rPr>
               <a:t>扑克游戏</a:t>
             </a:r>
-            <a:endParaRPr lang="zh-CN" altLang="en-US" sz="7200" b="1">
+            <a:endParaRPr lang="zh-CN" altLang="en-US" sz="7200" b="1" dirty="0">
               <a:latin typeface="黑体" panose="02010609060101010101" charset="-122"/>
               <a:ea typeface="黑体" panose="02010609060101010101" charset="-122"/>
             </a:endParaRPr>
-          </a:p>
-        </p:txBody>
-      </p:sp>
-      <p:sp>
-        <p:nvSpPr>
-          <p:cNvPr id="3" name="副标题 2"/>
-          <p:cNvSpPr>
-            <a:spLocks noGrp="1"/>
-          </p:cNvSpPr>
-          <p:nvPr>
-            <p:ph type="subTitle" idx="1"/>
-          </p:nvPr>
-        </p:nvSpPr>
-        <p:spPr/>
-        <p:txBody>
-          <a:bodyPr/>
-          <a:p>
-            <a:endParaRPr lang="zh-CN" altLang="en-US"/>
           </a:p>
         </p:txBody>
       </p:sp>
@@ -3410,7 +3416,14 @@
         <p:cNvGrpSpPr/>
         <p:nvPr/>
       </p:nvGrpSpPr>
-      <p:grpSpPr/>
+      <p:grpSpPr>
+        <a:xfrm>
+          <a:off x="0" y="0"/>
+          <a:ext cx="0" cy="0"/>
+          <a:chOff x="0" y="0"/>
+          <a:chExt cx="0" cy="0"/>
+        </a:xfrm>
+      </p:grpSpPr>
       <p:sp>
         <p:nvSpPr>
           <p:cNvPr id="2" name="标题 1"/>
@@ -3424,14 +3437,11 @@
         <p:spPr/>
         <p:txBody>
           <a:bodyPr/>
-          <a:p>
-            <a:r>
-              <a:rPr lang="zh-CN" altLang="en-US"/>
-              <a:t>我们的</a:t>
-            </a:r>
-            <a:r>
-              <a:rPr lang="zh-CN" altLang="en-US"/>
-              <a:t>做法</a:t>
+          <a:lstStyle/>
+          <a:p>
+            <a:r>
+              <a:rPr lang="zh-CN" altLang="en-US"/>
+              <a:t>我们的做法</a:t>
             </a:r>
             <a:endParaRPr lang="zh-CN" altLang="en-US"/>
           </a:p>
@@ -3452,6 +3462,7 @@
           <a:bodyPr>
             <a:normAutofit lnSpcReduction="10000"/>
           </a:bodyPr>
+          <a:lstStyle/>
           <a:p>
             <a:pPr marL="0" indent="0">
               <a:buNone/>
@@ -3506,11 +3517,7 @@
             </a:r>
             <a:r>
               <a:rPr lang="zh-CN" altLang="en-US"/>
-              <a:t>：赌场</a:t>
-            </a:r>
-            <a:r>
-              <a:rPr lang="zh-CN" altLang="en-US"/>
-              <a:t>发牌式模拟</a:t>
+              <a:t>：赌场发牌式模拟</a:t>
             </a:r>
             <a:endParaRPr lang="zh-CN" altLang="en-US"/>
           </a:p>
@@ -3552,11 +3559,7 @@
             </a:r>
             <a:r>
               <a:rPr lang="zh-CN" altLang="en-US"/>
-              <a:t>：魔术师表演式</a:t>
-            </a:r>
-            <a:r>
-              <a:rPr lang="zh-CN" altLang="en-US"/>
-              <a:t>模拟</a:t>
+              <a:t>：魔术师表演式模拟</a:t>
             </a:r>
             <a:endParaRPr lang="zh-CN" altLang="en-US"/>
           </a:p>
@@ -3632,11 +3635,7 @@
             </a:r>
             <a:r>
               <a:rPr lang="zh-CN" altLang="en-US"/>
-              <a:t>剩余牌数</a:t>
-            </a:r>
-            <a:r>
-              <a:rPr lang="zh-CN" altLang="en-US"/>
-              <a:t>减一</a:t>
+              <a:t>剩余牌数减一</a:t>
             </a:r>
             <a:endParaRPr lang="zh-CN" altLang="en-US"/>
           </a:p>
@@ -4018,7 +4017,14 @@
         <p:cNvGrpSpPr/>
         <p:nvPr/>
       </p:nvGrpSpPr>
-      <p:grpSpPr/>
+      <p:grpSpPr>
+        <a:xfrm>
+          <a:off x="0" y="0"/>
+          <a:ext cx="0" cy="0"/>
+          <a:chOff x="0" y="0"/>
+          <a:chExt cx="0" cy="0"/>
+        </a:xfrm>
+      </p:grpSpPr>
       <p:sp>
         <p:nvSpPr>
           <p:cNvPr id="2" name="标题 1"/>
@@ -4032,6 +4038,7 @@
         <p:spPr/>
         <p:txBody>
           <a:bodyPr/>
+          <a:lstStyle/>
           <a:p>
             <a:r>
               <a:rPr lang="zh-CN" altLang="en-US">
@@ -4056,71 +4063,68 @@
         <p:spPr/>
         <p:txBody>
           <a:bodyPr/>
-          <a:p>
-            <a:pPr marL="0" indent="0">
-              <a:buNone/>
-            </a:pPr>
-            <a:r>
-              <a:rPr lang="en-US" altLang="zh-CN"/>
+          <a:lstStyle/>
+          <a:p>
+            <a:pPr marL="0" indent="0">
+              <a:buNone/>
+            </a:pPr>
+            <a:r>
+              <a:rPr lang="en-US" altLang="zh-CN" dirty="0"/>
               <a:t>3.</a:t>
             </a:r>
             <a:r>
-              <a:rPr lang="zh-CN" altLang="en-US"/>
-              <a:t>判断玩家</a:t>
-            </a:r>
-            <a:r>
-              <a:rPr lang="zh-CN" altLang="en-US"/>
-              <a:t>的牌型</a:t>
-            </a:r>
-            <a:endParaRPr lang="zh-CN" altLang="en-US"/>
-          </a:p>
-          <a:p>
-            <a:pPr marL="0" indent="0">
-              <a:buNone/>
-            </a:pPr>
-            <a:endParaRPr lang="zh-CN" altLang="en-US"/>
-          </a:p>
-          <a:p>
-            <a:pPr marL="0" indent="0">
-              <a:buNone/>
-            </a:pPr>
-            <a:endParaRPr lang="zh-CN" altLang="en-US"/>
-          </a:p>
-          <a:p>
-            <a:pPr marL="0" indent="0">
-              <a:buNone/>
-            </a:pPr>
-            <a:endParaRPr lang="zh-CN" altLang="en-US"/>
-          </a:p>
-          <a:p>
-            <a:pPr marL="0" indent="0">
-              <a:buNone/>
-            </a:pPr>
-            <a:endParaRPr lang="zh-CN" altLang="en-US"/>
-          </a:p>
-          <a:p>
-            <a:pPr marL="0" indent="0">
-              <a:buNone/>
-            </a:pPr>
-            <a:endParaRPr lang="zh-CN" altLang="en-US"/>
-          </a:p>
-          <a:p>
-            <a:pPr marL="0" indent="0">
-              <a:buNone/>
-            </a:pPr>
-            <a:r>
-              <a:rPr lang="zh-CN" altLang="en-US">
+              <a:rPr lang="zh-CN" altLang="en-US" dirty="0"/>
+              <a:t>判断玩家的牌型</a:t>
+            </a:r>
+            <a:endParaRPr lang="zh-CN" altLang="en-US" dirty="0"/>
+          </a:p>
+          <a:p>
+            <a:pPr marL="0" indent="0">
+              <a:buNone/>
+            </a:pPr>
+            <a:endParaRPr lang="zh-CN" altLang="en-US" dirty="0"/>
+          </a:p>
+          <a:p>
+            <a:pPr marL="0" indent="0">
+              <a:buNone/>
+            </a:pPr>
+            <a:endParaRPr lang="zh-CN" altLang="en-US" dirty="0"/>
+          </a:p>
+          <a:p>
+            <a:pPr marL="0" indent="0">
+              <a:buNone/>
+            </a:pPr>
+            <a:endParaRPr lang="zh-CN" altLang="en-US" dirty="0"/>
+          </a:p>
+          <a:p>
+            <a:pPr marL="0" indent="0">
+              <a:buNone/>
+            </a:pPr>
+            <a:endParaRPr lang="zh-CN" altLang="en-US" dirty="0"/>
+          </a:p>
+          <a:p>
+            <a:pPr marL="0" indent="0">
+              <a:buNone/>
+            </a:pPr>
+            <a:endParaRPr lang="zh-CN" altLang="en-US" dirty="0"/>
+          </a:p>
+          <a:p>
+            <a:pPr marL="0" indent="0">
+              <a:buNone/>
+            </a:pPr>
+            <a:r>
+              <a:rPr lang="zh-CN" altLang="en-US" dirty="0">
                 <a:sym typeface="+mn-ea"/>
               </a:rPr>
               <a:t>乱序，随机，判断困难</a:t>
             </a:r>
-            <a:endParaRPr lang="zh-CN" altLang="en-US"/>
-          </a:p>
-          <a:p>
-            <a:pPr marL="0" indent="0">
-              <a:buNone/>
-            </a:pPr>
-            <a:endParaRPr lang="zh-CN" altLang="en-US"/>
+            <a:endParaRPr lang="zh-CN" altLang="en-US" dirty="0"/>
+          </a:p>
+          <a:p>
+            <a:pPr marL="0" indent="0">
+              <a:buNone/>
+            </a:pPr>
+            <a:endParaRPr lang="zh-CN" altLang="en-US" dirty="0"/>
           </a:p>
         </p:txBody>
       </p:sp>
@@ -4289,7 +4293,14 @@
         <p:cNvGrpSpPr/>
         <p:nvPr/>
       </p:nvGrpSpPr>
-      <p:grpSpPr/>
+      <p:grpSpPr>
+        <a:xfrm>
+          <a:off x="0" y="0"/>
+          <a:ext cx="0" cy="0"/>
+          <a:chOff x="0" y="0"/>
+          <a:chExt cx="0" cy="0"/>
+        </a:xfrm>
+      </p:grpSpPr>
       <p:sp>
         <p:nvSpPr>
           <p:cNvPr id="2" name="标题 1"/>
@@ -4303,6 +4314,7 @@
         <p:spPr/>
         <p:txBody>
           <a:bodyPr/>
+          <a:lstStyle/>
           <a:p>
             <a:r>
               <a:rPr lang="zh-CN" altLang="en-US">
@@ -4327,6 +4339,7 @@
         <p:spPr/>
         <p:txBody>
           <a:bodyPr/>
+          <a:lstStyle/>
           <a:p>
             <a:pPr marL="0" indent="0">
               <a:buNone/>
@@ -4337,11 +4350,7 @@
             </a:r>
             <a:r>
               <a:rPr lang="zh-CN" altLang="en-US"/>
-              <a:t>判断玩家的</a:t>
-            </a:r>
-            <a:r>
-              <a:rPr lang="zh-CN" altLang="en-US"/>
-              <a:t>牌型</a:t>
+              <a:t>判断玩家的牌型</a:t>
             </a:r>
             <a:endParaRPr lang="zh-CN" altLang="en-US"/>
           </a:p>
@@ -4544,7 +4553,14 @@
         <p:cNvGrpSpPr/>
         <p:nvPr/>
       </p:nvGrpSpPr>
-      <p:grpSpPr/>
+      <p:grpSpPr>
+        <a:xfrm>
+          <a:off x="0" y="0"/>
+          <a:ext cx="0" cy="0"/>
+          <a:chOff x="0" y="0"/>
+          <a:chExt cx="0" cy="0"/>
+        </a:xfrm>
+      </p:grpSpPr>
       <p:sp>
         <p:nvSpPr>
           <p:cNvPr id="2" name="标题 1"/>
@@ -4558,6 +4574,7 @@
         <p:spPr/>
         <p:txBody>
           <a:bodyPr/>
+          <a:lstStyle/>
           <a:p>
             <a:r>
               <a:rPr lang="zh-CN" altLang="en-US">
@@ -4589,6 +4606,7 @@
           <a:bodyPr>
             <a:normAutofit fontScale="90000" lnSpcReduction="20000"/>
           </a:bodyPr>
+          <a:lstStyle/>
           <a:p>
             <a:pPr marL="0" indent="0">
               <a:buNone/>
@@ -4611,11 +4629,7 @@
             </a:r>
             <a:r>
               <a:rPr lang="zh-CN" altLang="en-US"/>
-              <a:t>每一张牌的点数都</a:t>
-            </a:r>
-            <a:r>
-              <a:rPr lang="zh-CN" altLang="en-US"/>
-              <a:t>不同</a:t>
+              <a:t>每一张牌的点数都不同</a:t>
             </a:r>
             <a:endParaRPr lang="zh-CN" altLang="en-US"/>
           </a:p>
@@ -4636,32 +4650,20 @@
             </a:r>
             <a:r>
               <a:rPr lang="zh-CN" altLang="en-US"/>
-              <a:t>相同</a:t>
-            </a:r>
-            <a:r>
-              <a:rPr lang="zh-CN" altLang="en-US"/>
-              <a:t>花色</a:t>
-            </a:r>
-            <a:endParaRPr lang="zh-CN" altLang="en-US"/>
-          </a:p>
-          <a:p>
-            <a:endParaRPr lang="zh-CN" altLang="en-US"/>
-          </a:p>
-          <a:p>
-            <a:pPr marL="0" indent="0">
-              <a:buNone/>
-            </a:pPr>
-            <a:r>
-              <a:rPr lang="zh-CN" altLang="en-US"/>
-              <a:t>炸弹：第一张点数等于第四张点数或第二</a:t>
-            </a:r>
-            <a:r>
-              <a:rPr lang="zh-CN" altLang="en-US"/>
-              <a:t>张点数等于第五</a:t>
-            </a:r>
-            <a:r>
-              <a:rPr lang="zh-CN" altLang="en-US"/>
-              <a:t>张点数</a:t>
+              <a:t>相同花色</a:t>
+            </a:r>
+            <a:endParaRPr lang="zh-CN" altLang="en-US"/>
+          </a:p>
+          <a:p>
+            <a:endParaRPr lang="zh-CN" altLang="en-US"/>
+          </a:p>
+          <a:p>
+            <a:pPr marL="0" indent="0">
+              <a:buNone/>
+            </a:pPr>
+            <a:r>
+              <a:rPr lang="zh-CN" altLang="en-US"/>
+              <a:t>炸弹：第一张点数等于第四张点数或第二张点数等于第五张点数</a:t>
             </a:r>
             <a:endParaRPr lang="zh-CN" altLang="en-US"/>
           </a:p>
@@ -5193,7 +5195,14 @@
         <p:cNvGrpSpPr/>
         <p:nvPr/>
       </p:nvGrpSpPr>
-      <p:grpSpPr/>
+      <p:grpSpPr>
+        <a:xfrm>
+          <a:off x="0" y="0"/>
+          <a:ext cx="0" cy="0"/>
+          <a:chOff x="0" y="0"/>
+          <a:chExt cx="0" cy="0"/>
+        </a:xfrm>
+      </p:grpSpPr>
       <p:sp>
         <p:nvSpPr>
           <p:cNvPr id="2" name="标题 1"/>
@@ -5207,16 +5216,13 @@
         <p:spPr/>
         <p:txBody>
           <a:bodyPr/>
-          <a:p>
-            <a:r>
-              <a:rPr lang="zh-CN" altLang="en-US"/>
-              <a:t>我们的</a:t>
-            </a:r>
-            <a:r>
-              <a:rPr lang="zh-CN" altLang="en-US"/>
-              <a:t>做法</a:t>
-            </a:r>
-            <a:endParaRPr lang="zh-CN" altLang="en-US"/>
+          <a:lstStyle/>
+          <a:p>
+            <a:r>
+              <a:rPr lang="zh-CN" altLang="en-US" dirty="0"/>
+              <a:t>我们的做法</a:t>
+            </a:r>
+            <a:endParaRPr lang="zh-CN" altLang="en-US" dirty="0"/>
           </a:p>
         </p:txBody>
       </p:sp>
@@ -5233,6 +5239,7 @@
         <p:spPr/>
         <p:txBody>
           <a:bodyPr/>
+          <a:lstStyle/>
           <a:p>
             <a:pPr marL="0" indent="0">
               <a:buNone/>
@@ -5374,7 +5381,14 @@
         <p:cNvGrpSpPr/>
         <p:nvPr/>
       </p:nvGrpSpPr>
-      <p:grpSpPr/>
+      <p:grpSpPr>
+        <a:xfrm>
+          <a:off x="0" y="0"/>
+          <a:ext cx="0" cy="0"/>
+          <a:chOff x="0" y="0"/>
+          <a:chExt cx="0" cy="0"/>
+        </a:xfrm>
+      </p:grpSpPr>
       <p:sp>
         <p:nvSpPr>
           <p:cNvPr id="2" name="标题 1"/>
@@ -5388,16 +5402,13 @@
         <p:spPr/>
         <p:txBody>
           <a:bodyPr/>
-          <a:p>
-            <a:r>
-              <a:rPr lang="zh-CN" altLang="en-US"/>
-              <a:t>我们的</a:t>
-            </a:r>
-            <a:r>
-              <a:rPr lang="zh-CN" altLang="en-US"/>
-              <a:t>做法</a:t>
-            </a:r>
-            <a:endParaRPr lang="zh-CN" altLang="en-US"/>
+          <a:lstStyle/>
+          <a:p>
+            <a:r>
+              <a:rPr lang="zh-CN" altLang="en-US" dirty="0"/>
+              <a:t>我们的做法</a:t>
+            </a:r>
+            <a:endParaRPr lang="zh-CN" altLang="en-US" dirty="0"/>
           </a:p>
         </p:txBody>
       </p:sp>
@@ -5414,87 +5425,88 @@
         <p:spPr/>
         <p:txBody>
           <a:bodyPr/>
-          <a:p>
-            <a:pPr marL="0" indent="0">
-              <a:buNone/>
-            </a:pPr>
-            <a:r>
-              <a:rPr lang="en-US" altLang="zh-CN"/>
+          <a:lstStyle/>
+          <a:p>
+            <a:pPr marL="0" indent="0">
+              <a:buNone/>
+            </a:pPr>
+            <a:r>
+              <a:rPr lang="en-US" altLang="zh-CN" dirty="0"/>
               <a:t>5.</a:t>
             </a:r>
             <a:r>
-              <a:rPr lang="zh-CN" altLang="en-US"/>
+              <a:rPr lang="zh-CN" altLang="en-US" dirty="0"/>
               <a:t>胜率预测</a:t>
             </a:r>
-            <a:endParaRPr lang="zh-CN" altLang="en-US"/>
-          </a:p>
-          <a:p>
-            <a:pPr marL="0" indent="0">
-              <a:buNone/>
-            </a:pPr>
-            <a:endParaRPr lang="zh-CN" altLang="en-US"/>
-          </a:p>
-          <a:p>
-            <a:pPr marL="0" indent="0">
-              <a:buNone/>
-            </a:pPr>
-            <a:r>
-              <a:rPr lang="zh-CN" altLang="en-US" b="1"/>
+            <a:endParaRPr lang="zh-CN" altLang="en-US" dirty="0"/>
+          </a:p>
+          <a:p>
+            <a:pPr marL="0" indent="0">
+              <a:buNone/>
+            </a:pPr>
+            <a:endParaRPr lang="zh-CN" altLang="en-US" dirty="0"/>
+          </a:p>
+          <a:p>
+            <a:pPr marL="0" indent="0">
+              <a:buNone/>
+            </a:pPr>
+            <a:r>
+              <a:rPr lang="zh-CN" altLang="en-US" b="1" dirty="0"/>
               <a:t>模拟</a:t>
             </a:r>
-            <a:endParaRPr lang="zh-CN" altLang="en-US" b="1"/>
-          </a:p>
-          <a:p>
-            <a:pPr marL="0" indent="0">
-              <a:buNone/>
-            </a:pPr>
-            <a:endParaRPr lang="zh-CN" altLang="en-US" b="1"/>
-          </a:p>
-          <a:p>
-            <a:pPr marL="0" indent="0">
-              <a:buNone/>
-            </a:pPr>
-            <a:r>
-              <a:rPr lang="zh-CN" altLang="en-US"/>
+            <a:endParaRPr lang="zh-CN" altLang="en-US" b="1" dirty="0"/>
+          </a:p>
+          <a:p>
+            <a:pPr marL="0" indent="0">
+              <a:buNone/>
+            </a:pPr>
+            <a:endParaRPr lang="zh-CN" altLang="en-US" b="1" dirty="0"/>
+          </a:p>
+          <a:p>
+            <a:pPr marL="0" indent="0">
+              <a:buNone/>
+            </a:pPr>
+            <a:r>
+              <a:rPr lang="zh-CN" altLang="en-US" dirty="0"/>
               <a:t>过往预测现在</a:t>
             </a:r>
-            <a:endParaRPr lang="zh-CN" altLang="en-US"/>
-          </a:p>
-          <a:p>
-            <a:pPr marL="0" indent="0">
-              <a:buNone/>
-            </a:pPr>
-            <a:endParaRPr lang="zh-CN" altLang="en-US"/>
+            <a:endParaRPr lang="zh-CN" altLang="en-US" dirty="0"/>
+          </a:p>
+          <a:p>
+            <a:pPr marL="0" indent="0">
+              <a:buNone/>
+            </a:pPr>
+            <a:endParaRPr lang="zh-CN" altLang="en-US" dirty="0"/>
           </a:p>
           <a:p>
             <a:pPr marL="0" indent="0" algn="l">
               <a:buNone/>
             </a:pPr>
             <a:r>
-              <a:rPr lang="zh-CN" altLang="en-US"/>
+              <a:rPr lang="zh-CN" altLang="en-US" dirty="0"/>
               <a:t>一样的牌在</a:t>
             </a:r>
             <a:r>
-              <a:rPr lang="en-US" altLang="zh-CN"/>
+              <a:rPr lang="en-US" altLang="zh-CN" dirty="0"/>
               <a:t>10000</a:t>
             </a:r>
             <a:r>
-              <a:rPr lang="zh-CN" altLang="en-US"/>
+              <a:rPr lang="zh-CN" altLang="en-US" dirty="0"/>
               <a:t>局情况下能赢多少局</a:t>
             </a:r>
-            <a:endParaRPr lang="zh-CN" altLang="en-US" b="1"/>
-          </a:p>
-          <a:p>
-            <a:pPr marL="0" indent="0">
-              <a:buNone/>
-            </a:pPr>
-            <a:endParaRPr lang="zh-CN" altLang="en-US"/>
-          </a:p>
-          <a:p>
-            <a:pPr marL="0" indent="0">
-              <a:buNone/>
-            </a:pPr>
-            <a:endParaRPr lang="en-US" altLang="zh-CN"/>
+            <a:endParaRPr lang="zh-CN" altLang="en-US" b="1" dirty="0"/>
+          </a:p>
+          <a:p>
+            <a:pPr marL="0" indent="0">
+              <a:buNone/>
+            </a:pPr>
+            <a:endParaRPr lang="zh-CN" altLang="en-US" dirty="0"/>
+          </a:p>
+          <a:p>
+            <a:pPr marL="0" indent="0">
+              <a:buNone/>
+            </a:pPr>
+            <a:endParaRPr lang="en-US" altLang="zh-CN" dirty="0"/>
           </a:p>
         </p:txBody>
       </p:sp>
@@ -5736,6 +5748,849 @@
 </p:sld>
 </file>
 
+<file path=ppt/slides/slide16.xml><?xml version="1.0" encoding="utf-8"?>
+<p:sld xmlns:a="http://schemas.openxmlformats.org/drawingml/2006/main" xmlns:r="http://schemas.openxmlformats.org/officeDocument/2006/relationships" xmlns:p="http://schemas.openxmlformats.org/presentationml/2006/main">
+  <p:cSld>
+    <p:spTree>
+      <p:nvGrpSpPr>
+        <p:cNvPr id="1" name=""/>
+        <p:cNvGrpSpPr/>
+        <p:nvPr/>
+      </p:nvGrpSpPr>
+      <p:grpSpPr>
+        <a:xfrm>
+          <a:off x="0" y="0"/>
+          <a:ext cx="0" cy="0"/>
+          <a:chOff x="0" y="0"/>
+          <a:chExt cx="0" cy="0"/>
+        </a:xfrm>
+      </p:grpSpPr>
+      <p:sp>
+        <p:nvSpPr>
+          <p:cNvPr id="3" name="内容占位符 2"/>
+          <p:cNvSpPr>
+            <a:spLocks noGrp="1"/>
+          </p:cNvSpPr>
+          <p:nvPr>
+            <p:ph idx="1"/>
+          </p:nvPr>
+        </p:nvSpPr>
+        <p:spPr/>
+        <p:txBody>
+          <a:bodyPr/>
+          <a:lstStyle/>
+          <a:p>
+            <a:pPr marL="0" indent="0">
+              <a:buNone/>
+            </a:pPr>
+            <a:r>
+              <a:rPr lang="en-US" altLang="zh-CN" dirty="0"/>
+              <a:t>6.</a:t>
+            </a:r>
+            <a:r>
+              <a:rPr lang="zh-CN" altLang="en-US" dirty="0"/>
+              <a:t>下注算法</a:t>
+            </a:r>
+            <a:endParaRPr lang="en-US" altLang="zh-CN" dirty="0"/>
+          </a:p>
+          <a:p>
+            <a:pPr marL="0" indent="0">
+              <a:buNone/>
+            </a:pPr>
+            <a:r>
+              <a:rPr lang="zh-CN" altLang="en-US" dirty="0"/>
+              <a:t>一个合格的扑克牌游戏，怎么少的了下注打赌的有意思环节？</a:t>
+            </a:r>
+            <a:endParaRPr lang="en-US" altLang="zh-CN" dirty="0"/>
+          </a:p>
+          <a:p>
+            <a:pPr marL="0" indent="0">
+              <a:buNone/>
+            </a:pPr>
+            <a:r>
+              <a:rPr lang="zh-CN" altLang="en-US" dirty="0"/>
+              <a:t>基本思路：下注只有一倍和两倍的注，这里设置合理的本金为</a:t>
+            </a:r>
+            <a:r>
+              <a:rPr lang="en-US" altLang="zh-CN" dirty="0"/>
+              <a:t>2000</a:t>
+            </a:r>
+            <a:endParaRPr lang="en-US" altLang="zh-CN" dirty="0"/>
+          </a:p>
+          <a:p>
+            <a:pPr marL="0" indent="0">
+              <a:buNone/>
+            </a:pPr>
+            <a:r>
+              <a:rPr lang="en-US" altLang="zh-CN" dirty="0"/>
+              <a:t>		</a:t>
+            </a:r>
+            <a:r>
+              <a:rPr lang="zh-CN" altLang="en-US" dirty="0"/>
+              <a:t>每次出的底钱为</a:t>
+            </a:r>
+            <a:r>
+              <a:rPr lang="en-US" altLang="zh-CN" dirty="0"/>
+              <a:t>250</a:t>
+            </a:r>
+            <a:r>
+              <a:rPr lang="zh-CN" altLang="en-US" dirty="0"/>
+              <a:t>元，若下两倍注则出</a:t>
+            </a:r>
+            <a:r>
+              <a:rPr lang="en-US" altLang="zh-CN" dirty="0"/>
+              <a:t>500</a:t>
+            </a:r>
+            <a:r>
+              <a:rPr lang="zh-CN" altLang="en-US" dirty="0"/>
+              <a:t>。</a:t>
+            </a:r>
+            <a:endParaRPr lang="en-US" altLang="zh-CN" dirty="0"/>
+          </a:p>
+          <a:p>
+            <a:pPr marL="0" indent="0">
+              <a:buNone/>
+            </a:pPr>
+            <a:r>
+              <a:rPr lang="zh-CN" altLang="en-US" dirty="0"/>
+              <a:t>实现方法：（详细代码见下一页</a:t>
+            </a:r>
+            <a:r>
+              <a:rPr lang="en-US" altLang="zh-CN" dirty="0"/>
+              <a:t>ppt</a:t>
+            </a:r>
+            <a:r>
+              <a:rPr lang="zh-CN" altLang="en-US" dirty="0"/>
+              <a:t>）</a:t>
+            </a:r>
+            <a:endParaRPr lang="en-US" altLang="zh-CN" dirty="0"/>
+          </a:p>
+          <a:p>
+            <a:pPr marL="0" indent="0">
+              <a:buNone/>
+            </a:pPr>
+            <a:r>
+              <a:rPr lang="en-US" altLang="zh-CN" dirty="0"/>
+              <a:t>		1.int</a:t>
+            </a:r>
+            <a:r>
+              <a:rPr lang="zh-CN" altLang="en-US" dirty="0"/>
+              <a:t>型函数</a:t>
+            </a:r>
+            <a:r>
+              <a:rPr lang="en-US" altLang="zh-CN" dirty="0"/>
+              <a:t>+</a:t>
+            </a:r>
+            <a:r>
+              <a:rPr lang="zh-CN" altLang="en-US" dirty="0"/>
+              <a:t>传输进函数的变量</a:t>
+            </a:r>
+            <a:r>
+              <a:rPr lang="en-US" altLang="zh-CN" dirty="0"/>
+              <a:t>+</a:t>
+            </a:r>
+            <a:r>
+              <a:rPr lang="zh-CN" altLang="en-US" dirty="0"/>
+              <a:t>函数返回变量的含义</a:t>
+            </a:r>
+            <a:endParaRPr lang="en-US" altLang="zh-CN" dirty="0"/>
+          </a:p>
+          <a:p>
+            <a:pPr marL="0" indent="0">
+              <a:buNone/>
+            </a:pPr>
+            <a:r>
+              <a:rPr lang="en-US" altLang="zh-CN" dirty="0"/>
+              <a:t>		2.</a:t>
+            </a:r>
+            <a:r>
+              <a:rPr lang="zh-CN" altLang="en-US" dirty="0"/>
+              <a:t>不仅玩家下注，电脑用胜率预测也要判断下注</a:t>
+            </a:r>
+            <a:endParaRPr lang="en-US" altLang="zh-CN" dirty="0"/>
+          </a:p>
+          <a:p>
+            <a:pPr marL="0" indent="0">
+              <a:buNone/>
+            </a:pPr>
+            <a:r>
+              <a:rPr lang="en-US" altLang="zh-CN" dirty="0"/>
+              <a:t>		3.</a:t>
+            </a:r>
+            <a:r>
+              <a:rPr lang="zh-CN" altLang="en-US" dirty="0"/>
+              <a:t>每轮结束后判断有无玩家输光，一人输光则结束</a:t>
+            </a:r>
+            <a:endParaRPr lang="zh-CN" altLang="en-US" dirty="0"/>
+          </a:p>
+        </p:txBody>
+      </p:sp>
+      <p:sp>
+        <p:nvSpPr>
+          <p:cNvPr id="4" name="标题 1"/>
+          <p:cNvSpPr>
+            <a:spLocks noGrp="1"/>
+          </p:cNvSpPr>
+          <p:nvPr>
+            <p:ph type="title"/>
+          </p:nvPr>
+        </p:nvSpPr>
+        <p:spPr>
+          <a:xfrm>
+            <a:off x="838200" y="365125"/>
+            <a:ext cx="10515600" cy="1325563"/>
+          </a:xfrm>
+        </p:spPr>
+        <p:txBody>
+          <a:bodyPr/>
+          <a:lstStyle/>
+          <a:p>
+            <a:r>
+              <a:rPr lang="zh-CN" altLang="en-US" dirty="0"/>
+              <a:t>我们的做法</a:t>
+            </a:r>
+            <a:endParaRPr lang="zh-CN" altLang="en-US" dirty="0"/>
+          </a:p>
+        </p:txBody>
+      </p:sp>
+    </p:spTree>
+  </p:cSld>
+  <p:clrMapOvr>
+    <a:masterClrMapping/>
+  </p:clrMapOvr>
+</p:sld>
+</file>
+
+<file path=ppt/slides/slide17.xml><?xml version="1.0" encoding="utf-8"?>
+<p:sld xmlns:a="http://schemas.openxmlformats.org/drawingml/2006/main" xmlns:r="http://schemas.openxmlformats.org/officeDocument/2006/relationships" xmlns:p="http://schemas.openxmlformats.org/presentationml/2006/main">
+  <p:cSld>
+    <p:spTree>
+      <p:nvGrpSpPr>
+        <p:cNvPr id="1" name=""/>
+        <p:cNvGrpSpPr/>
+        <p:nvPr/>
+      </p:nvGrpSpPr>
+      <p:grpSpPr>
+        <a:xfrm>
+          <a:off x="0" y="0"/>
+          <a:ext cx="0" cy="0"/>
+          <a:chOff x="0" y="0"/>
+          <a:chExt cx="0" cy="0"/>
+        </a:xfrm>
+      </p:grpSpPr>
+      <p:pic>
+        <p:nvPicPr>
+          <p:cNvPr id="5" name="图片 4" descr="文本&#10;&#10;AI 生成的内容可能不正确。"/>
+          <p:cNvPicPr>
+            <a:picLocks noChangeAspect="1"/>
+          </p:cNvPicPr>
+          <p:nvPr/>
+        </p:nvPicPr>
+        <p:blipFill>
+          <a:blip r:embed="rId1"/>
+          <a:stretch>
+            <a:fillRect/>
+          </a:stretch>
+        </p:blipFill>
+        <p:spPr>
+          <a:xfrm>
+            <a:off x="190501" y="190154"/>
+            <a:ext cx="5787126" cy="6477691"/>
+          </a:xfrm>
+          <a:prstGeom prst="rect">
+            <a:avLst/>
+          </a:prstGeom>
+        </p:spPr>
+      </p:pic>
+      <p:sp>
+        <p:nvSpPr>
+          <p:cNvPr id="6" name="文本框 5"/>
+          <p:cNvSpPr txBox="1"/>
+          <p:nvPr/>
+        </p:nvSpPr>
+        <p:spPr>
+          <a:xfrm>
+            <a:off x="6045200" y="857250"/>
+            <a:ext cx="5607050" cy="5262979"/>
+          </a:xfrm>
+          <a:prstGeom prst="rect">
+            <a:avLst/>
+          </a:prstGeom>
+          <a:noFill/>
+        </p:spPr>
+        <p:txBody>
+          <a:bodyPr wrap="square" rtlCol="0">
+            <a:spAutoFit/>
+          </a:bodyPr>
+          <a:lstStyle/>
+          <a:p>
+            <a:pPr algn="ctr"/>
+            <a:r>
+              <a:rPr lang="en-US" altLang="zh-CN" sz="2400" dirty="0"/>
+              <a:t>1.	int</a:t>
+            </a:r>
+            <a:r>
+              <a:rPr lang="zh-CN" altLang="en-US" sz="2400" dirty="0"/>
+              <a:t>型函数传输这些变量进入函数</a:t>
+            </a:r>
+            <a:endParaRPr lang="en-US" altLang="zh-CN" sz="2400" dirty="0"/>
+          </a:p>
+          <a:p>
+            <a:pPr algn="ctr"/>
+            <a:r>
+              <a:rPr lang="en-US" altLang="zh-CN" sz="2400" dirty="0"/>
+              <a:t>	</a:t>
+            </a:r>
+            <a:r>
+              <a:rPr lang="zh-CN" altLang="en-US" sz="2400" dirty="0"/>
+              <a:t>其返回值为</a:t>
+            </a:r>
+            <a:r>
+              <a:rPr lang="en-US" altLang="zh-CN" sz="2400" dirty="0"/>
+              <a:t>0</a:t>
+            </a:r>
+            <a:r>
+              <a:rPr lang="zh-CN" altLang="en-US" sz="2400" dirty="0"/>
+              <a:t>或</a:t>
+            </a:r>
+            <a:r>
+              <a:rPr lang="en-US" altLang="zh-CN" sz="2400" dirty="0"/>
+              <a:t>1.</a:t>
+            </a:r>
+            <a:r>
+              <a:rPr lang="zh-CN" altLang="en-US" sz="2400" dirty="0"/>
+              <a:t>表示是否成功</a:t>
+            </a:r>
+            <a:endParaRPr lang="en-US" altLang="zh-CN" sz="2400" dirty="0"/>
+          </a:p>
+          <a:p>
+            <a:pPr algn="ctr"/>
+            <a:endParaRPr lang="en-US" altLang="zh-CN" sz="2400" dirty="0"/>
+          </a:p>
+          <a:p>
+            <a:pPr algn="ctr"/>
+            <a:endParaRPr lang="en-US" altLang="zh-CN" sz="2400" dirty="0"/>
+          </a:p>
+          <a:p>
+            <a:pPr algn="ctr"/>
+            <a:r>
+              <a:rPr lang="en-US" altLang="zh-CN" sz="2400" dirty="0"/>
+              <a:t>2.	</a:t>
+            </a:r>
+            <a:r>
+              <a:rPr lang="zh-CN" altLang="en-US" sz="2400" dirty="0"/>
+              <a:t>此循环为电脑的自动判断下注</a:t>
+            </a:r>
+            <a:endParaRPr lang="en-US" altLang="zh-CN" sz="2400" dirty="0"/>
+          </a:p>
+          <a:p>
+            <a:pPr algn="ctr"/>
+            <a:r>
+              <a:rPr lang="en-US" altLang="zh-CN" sz="2400" dirty="0"/>
+              <a:t>	</a:t>
+            </a:r>
+            <a:r>
+              <a:rPr lang="zh-CN" altLang="en-US" sz="2400" dirty="0"/>
+              <a:t>其中调用了胜率预测函数</a:t>
+            </a:r>
+            <a:endParaRPr lang="en-US" altLang="zh-CN" sz="2400" dirty="0"/>
+          </a:p>
+          <a:p>
+            <a:pPr algn="ctr"/>
+            <a:endParaRPr lang="en-US" altLang="zh-CN" sz="2400" dirty="0"/>
+          </a:p>
+          <a:p>
+            <a:pPr algn="ctr"/>
+            <a:endParaRPr lang="en-US" altLang="zh-CN" sz="2400" dirty="0"/>
+          </a:p>
+          <a:p>
+            <a:pPr algn="ctr"/>
+            <a:r>
+              <a:rPr lang="en-US" altLang="zh-CN" sz="2400" dirty="0"/>
+              <a:t>**	</a:t>
+            </a:r>
+            <a:r>
+              <a:rPr lang="zh-CN" altLang="en-US" sz="2400" dirty="0"/>
+              <a:t>这里是记录玩家出钱的和</a:t>
+            </a:r>
+            <a:endParaRPr lang="en-US" altLang="zh-CN" sz="2400" dirty="0"/>
+          </a:p>
+          <a:p>
+            <a:pPr algn="ctr"/>
+            <a:r>
+              <a:rPr lang="en-US" altLang="zh-CN" sz="2400" dirty="0"/>
+              <a:t>	</a:t>
+            </a:r>
+            <a:r>
+              <a:rPr lang="zh-CN" altLang="en-US" sz="2400" dirty="0"/>
+              <a:t>并且加给胜利者</a:t>
+            </a:r>
+            <a:endParaRPr lang="en-US" altLang="zh-CN" sz="2400" dirty="0"/>
+          </a:p>
+          <a:p>
+            <a:pPr algn="ctr"/>
+            <a:endParaRPr lang="en-US" altLang="zh-CN" sz="2400" dirty="0"/>
+          </a:p>
+          <a:p>
+            <a:pPr algn="ctr"/>
+            <a:endParaRPr lang="en-US" altLang="zh-CN" sz="2400" dirty="0"/>
+          </a:p>
+          <a:p>
+            <a:pPr algn="ctr"/>
+            <a:r>
+              <a:rPr lang="en-US" altLang="zh-CN" sz="2400" dirty="0"/>
+              <a:t>3.	</a:t>
+            </a:r>
+            <a:r>
+              <a:rPr lang="zh-CN" altLang="en-US" sz="2400" dirty="0"/>
+              <a:t>每轮是否输光然后结束的判断</a:t>
+            </a:r>
+            <a:endParaRPr lang="en-US" altLang="zh-CN" sz="2400" dirty="0"/>
+          </a:p>
+          <a:p>
+            <a:endParaRPr lang="zh-CN" altLang="en-US" sz="2400" dirty="0"/>
+          </a:p>
+        </p:txBody>
+      </p:sp>
+      <p:cxnSp>
+        <p:nvCxnSpPr>
+          <p:cNvPr id="8" name="直接箭头连接符 7"/>
+          <p:cNvCxnSpPr/>
+          <p:nvPr/>
+        </p:nvCxnSpPr>
+        <p:spPr>
+          <a:xfrm flipH="1" flipV="1">
+            <a:off x="2254250" y="1104900"/>
+            <a:ext cx="5073650" cy="1238250"/>
+          </a:xfrm>
+          <a:prstGeom prst="straightConnector1">
+            <a:avLst/>
+          </a:prstGeom>
+          <a:ln>
+            <a:solidFill>
+              <a:srgbClr val="00B050"/>
+            </a:solidFill>
+            <a:tailEnd type="triangle"/>
+          </a:ln>
+        </p:spPr>
+        <p:style>
+          <a:lnRef idx="1">
+            <a:schemeClr val="accent2"/>
+          </a:lnRef>
+          <a:fillRef idx="0">
+            <a:schemeClr val="accent2"/>
+          </a:fillRef>
+          <a:effectRef idx="0">
+            <a:schemeClr val="accent2"/>
+          </a:effectRef>
+          <a:fontRef idx="minor">
+            <a:schemeClr val="tx1"/>
+          </a:fontRef>
+        </p:style>
+      </p:cxnSp>
+      <p:cxnSp>
+        <p:nvCxnSpPr>
+          <p:cNvPr id="11" name="直接箭头连接符 10"/>
+          <p:cNvCxnSpPr/>
+          <p:nvPr/>
+        </p:nvCxnSpPr>
+        <p:spPr>
+          <a:xfrm flipH="1" flipV="1">
+            <a:off x="2298700" y="3625850"/>
+            <a:ext cx="5029200" cy="146222"/>
+          </a:xfrm>
+          <a:prstGeom prst="straightConnector1">
+            <a:avLst/>
+          </a:prstGeom>
+          <a:ln>
+            <a:solidFill>
+              <a:srgbClr val="00B050"/>
+            </a:solidFill>
+            <a:tailEnd type="triangle"/>
+          </a:ln>
+        </p:spPr>
+        <p:style>
+          <a:lnRef idx="1">
+            <a:schemeClr val="accent2"/>
+          </a:lnRef>
+          <a:fillRef idx="0">
+            <a:schemeClr val="accent2"/>
+          </a:fillRef>
+          <a:effectRef idx="0">
+            <a:schemeClr val="accent2"/>
+          </a:effectRef>
+          <a:fontRef idx="minor">
+            <a:schemeClr val="tx1"/>
+          </a:fontRef>
+        </p:style>
+      </p:cxnSp>
+    </p:spTree>
+  </p:cSld>
+  <p:clrMapOvr>
+    <a:masterClrMapping/>
+  </p:clrMapOvr>
+</p:sld>
+</file>
+
+<file path=ppt/slides/slide18.xml><?xml version="1.0" encoding="utf-8"?>
+<p:sld xmlns:a="http://schemas.openxmlformats.org/drawingml/2006/main" xmlns:r="http://schemas.openxmlformats.org/officeDocument/2006/relationships" xmlns:p="http://schemas.openxmlformats.org/presentationml/2006/main">
+  <p:cSld>
+    <p:spTree>
+      <p:nvGrpSpPr>
+        <p:cNvPr id="1" name=""/>
+        <p:cNvGrpSpPr/>
+        <p:nvPr/>
+      </p:nvGrpSpPr>
+      <p:grpSpPr>
+        <a:xfrm>
+          <a:off x="0" y="0"/>
+          <a:ext cx="0" cy="0"/>
+          <a:chOff x="0" y="0"/>
+          <a:chExt cx="0" cy="0"/>
+        </a:xfrm>
+      </p:grpSpPr>
+      <p:sp>
+        <p:nvSpPr>
+          <p:cNvPr id="2" name="标题 1"/>
+          <p:cNvSpPr>
+            <a:spLocks noGrp="1"/>
+          </p:cNvSpPr>
+          <p:nvPr>
+            <p:ph type="title"/>
+          </p:nvPr>
+        </p:nvSpPr>
+        <p:spPr>
+          <a:xfrm>
+            <a:off x="838201" y="328304"/>
+            <a:ext cx="4298396" cy="1236610"/>
+          </a:xfrm>
+        </p:spPr>
+        <p:txBody>
+          <a:bodyPr/>
+          <a:lstStyle/>
+          <a:p>
+            <a:r>
+              <a:rPr lang="zh-CN" altLang="en-US" dirty="0"/>
+              <a:t>图形化</a:t>
+            </a:r>
+            <a:endParaRPr lang="zh-CN" altLang="en-US" dirty="0"/>
+          </a:p>
+        </p:txBody>
+      </p:sp>
+      <p:sp>
+        <p:nvSpPr>
+          <p:cNvPr id="3" name="内容占位符 2"/>
+          <p:cNvSpPr>
+            <a:spLocks noGrp="1"/>
+          </p:cNvSpPr>
+          <p:nvPr>
+            <p:ph idx="1"/>
+          </p:nvPr>
+        </p:nvSpPr>
+        <p:spPr>
+          <a:xfrm>
+            <a:off x="838201" y="1564914"/>
+            <a:ext cx="10515600" cy="4351338"/>
+          </a:xfrm>
+        </p:spPr>
+        <p:txBody>
+          <a:bodyPr/>
+          <a:lstStyle/>
+          <a:p>
+            <a:pPr marL="0" indent="0">
+              <a:buNone/>
+            </a:pPr>
+            <a:r>
+              <a:rPr lang="en-US" altLang="zh-CN" dirty="0" err="1"/>
+              <a:t>EasyX</a:t>
+            </a:r>
+            <a:r>
+              <a:rPr lang="zh-CN" altLang="en-US" dirty="0"/>
+              <a:t>库</a:t>
+            </a:r>
+            <a:endParaRPr lang="zh-CN" altLang="en-US" dirty="0"/>
+          </a:p>
+        </p:txBody>
+      </p:sp>
+      <p:pic>
+        <p:nvPicPr>
+          <p:cNvPr id="5" name="图片 4" descr="图示&#10;&#10;AI 生成的内容可能不正确。"/>
+          <p:cNvPicPr>
+            <a:picLocks noChangeAspect="1"/>
+          </p:cNvPicPr>
+          <p:nvPr/>
+        </p:nvPicPr>
+        <p:blipFill>
+          <a:blip r:embed="rId1">
+            <a:extLst>
+              <a:ext uri="{28A0092B-C50C-407E-A947-70E740481C1C}">
+                <a14:useLocalDpi xmlns:a14="http://schemas.microsoft.com/office/drawing/2010/main" val="0"/>
+              </a:ext>
+            </a:extLst>
+          </a:blip>
+          <a:stretch>
+            <a:fillRect/>
+          </a:stretch>
+        </p:blipFill>
+        <p:spPr>
+          <a:xfrm>
+            <a:off x="6550713" y="1863214"/>
+            <a:ext cx="5259011" cy="3801854"/>
+          </a:xfrm>
+          <a:prstGeom prst="rect">
+            <a:avLst/>
+          </a:prstGeom>
+        </p:spPr>
+      </p:pic>
+      <p:pic>
+        <p:nvPicPr>
+          <p:cNvPr id="9" name="图片 8" descr="文本&#10;&#10;AI 生成的内容可能不正确。"/>
+          <p:cNvPicPr>
+            <a:picLocks noChangeAspect="1"/>
+          </p:cNvPicPr>
+          <p:nvPr/>
+        </p:nvPicPr>
+        <p:blipFill>
+          <a:blip r:embed="rId2">
+            <a:extLst>
+              <a:ext uri="{28A0092B-C50C-407E-A947-70E740481C1C}">
+                <a14:useLocalDpi xmlns:a14="http://schemas.microsoft.com/office/drawing/2010/main" val="0"/>
+              </a:ext>
+            </a:extLst>
+          </a:blip>
+          <a:stretch>
+            <a:fillRect/>
+          </a:stretch>
+        </p:blipFill>
+        <p:spPr>
+          <a:xfrm>
+            <a:off x="838199" y="2353813"/>
+            <a:ext cx="5570074" cy="1349398"/>
+          </a:xfrm>
+          <a:prstGeom prst="rect">
+            <a:avLst/>
+          </a:prstGeom>
+        </p:spPr>
+      </p:pic>
+      <p:pic>
+        <p:nvPicPr>
+          <p:cNvPr id="11" name="图片 10" descr="图形用户界面&#10;&#10;AI 生成的内容可能不正确。"/>
+          <p:cNvPicPr>
+            <a:picLocks noChangeAspect="1"/>
+          </p:cNvPicPr>
+          <p:nvPr/>
+        </p:nvPicPr>
+        <p:blipFill>
+          <a:blip r:embed="rId3">
+            <a:extLst>
+              <a:ext uri="{28A0092B-C50C-407E-A947-70E740481C1C}">
+                <a14:useLocalDpi xmlns:a14="http://schemas.microsoft.com/office/drawing/2010/main" val="0"/>
+              </a:ext>
+            </a:extLst>
+          </a:blip>
+          <a:srcRect r="10556"/>
+          <a:stretch>
+            <a:fillRect/>
+          </a:stretch>
+        </p:blipFill>
+        <p:spPr>
+          <a:xfrm>
+            <a:off x="838199" y="4321516"/>
+            <a:ext cx="5570074" cy="1236610"/>
+          </a:xfrm>
+          <a:prstGeom prst="rect">
+            <a:avLst/>
+          </a:prstGeom>
+        </p:spPr>
+      </p:pic>
+    </p:spTree>
+  </p:cSld>
+  <p:clrMapOvr>
+    <a:masterClrMapping/>
+  </p:clrMapOvr>
+</p:sld>
+</file>
+
+<file path=ppt/slides/slide19.xml><?xml version="1.0" encoding="utf-8"?>
+<p:sld xmlns:a="http://schemas.openxmlformats.org/drawingml/2006/main" xmlns:r="http://schemas.openxmlformats.org/officeDocument/2006/relationships" xmlns:p="http://schemas.openxmlformats.org/presentationml/2006/main">
+  <p:cSld>
+    <p:spTree>
+      <p:nvGrpSpPr>
+        <p:cNvPr id="1" name=""/>
+        <p:cNvGrpSpPr/>
+        <p:nvPr/>
+      </p:nvGrpSpPr>
+      <p:grpSpPr>
+        <a:xfrm>
+          <a:off x="0" y="0"/>
+          <a:ext cx="0" cy="0"/>
+          <a:chOff x="0" y="0"/>
+          <a:chExt cx="0" cy="0"/>
+        </a:xfrm>
+      </p:grpSpPr>
+      <p:sp>
+        <p:nvSpPr>
+          <p:cNvPr id="2" name="标题 1"/>
+          <p:cNvSpPr>
+            <a:spLocks noGrp="1"/>
+          </p:cNvSpPr>
+          <p:nvPr>
+            <p:ph type="title"/>
+          </p:nvPr>
+        </p:nvSpPr>
+        <p:spPr/>
+        <p:txBody>
+          <a:bodyPr/>
+          <a:lstStyle/>
+          <a:p>
+            <a:r>
+              <a:rPr lang="zh-CN" altLang="en-US" dirty="0"/>
+              <a:t>图形化</a:t>
+            </a:r>
+            <a:endParaRPr lang="zh-CN" altLang="en-US" dirty="0"/>
+          </a:p>
+        </p:txBody>
+      </p:sp>
+      <p:sp>
+        <p:nvSpPr>
+          <p:cNvPr id="3" name="内容占位符 2"/>
+          <p:cNvSpPr>
+            <a:spLocks noGrp="1"/>
+          </p:cNvSpPr>
+          <p:nvPr>
+            <p:ph idx="1"/>
+          </p:nvPr>
+        </p:nvSpPr>
+        <p:spPr>
+          <a:xfrm>
+            <a:off x="838200" y="1584156"/>
+            <a:ext cx="10515600" cy="4351338"/>
+          </a:xfrm>
+        </p:spPr>
+        <p:txBody>
+          <a:bodyPr/>
+          <a:lstStyle/>
+          <a:p>
+            <a:pPr marL="0" indent="0">
+              <a:buNone/>
+            </a:pPr>
+            <a:r>
+              <a:rPr lang="zh-CN" altLang="en-US" dirty="0"/>
+              <a:t>按钮</a:t>
+            </a:r>
+            <a:endParaRPr lang="en-US" altLang="zh-CN" dirty="0"/>
+          </a:p>
+          <a:p>
+            <a:pPr marL="0" indent="0">
+              <a:buNone/>
+            </a:pPr>
+            <a:r>
+              <a:rPr lang="zh-CN" altLang="en-US" dirty="0"/>
+              <a:t>划出一片区域，检测到该区域内的信息，返回相应值</a:t>
+            </a:r>
+            <a:endParaRPr lang="en-US" altLang="zh-CN" dirty="0"/>
+          </a:p>
+        </p:txBody>
+      </p:sp>
+      <p:pic>
+        <p:nvPicPr>
+          <p:cNvPr id="5" name="图片 4" descr="文本&#10;&#10;AI 生成的内容可能不正确。"/>
+          <p:cNvPicPr>
+            <a:picLocks noChangeAspect="1"/>
+          </p:cNvPicPr>
+          <p:nvPr/>
+        </p:nvPicPr>
+        <p:blipFill>
+          <a:blip r:embed="rId1">
+            <a:extLst>
+              <a:ext uri="{28A0092B-C50C-407E-A947-70E740481C1C}">
+                <a14:useLocalDpi xmlns:a14="http://schemas.microsoft.com/office/drawing/2010/main" val="0"/>
+              </a:ext>
+            </a:extLst>
+          </a:blip>
+          <a:stretch>
+            <a:fillRect/>
+          </a:stretch>
+        </p:blipFill>
+        <p:spPr>
+          <a:xfrm>
+            <a:off x="900342" y="3024519"/>
+            <a:ext cx="6086382" cy="1841027"/>
+          </a:xfrm>
+          <a:prstGeom prst="rect">
+            <a:avLst/>
+          </a:prstGeom>
+        </p:spPr>
+      </p:pic>
+      <p:pic>
+        <p:nvPicPr>
+          <p:cNvPr id="7" name="图片 6" descr="文本&#10;&#10;AI 生成的内容可能不正确。"/>
+          <p:cNvPicPr>
+            <a:picLocks noChangeAspect="1"/>
+          </p:cNvPicPr>
+          <p:nvPr/>
+        </p:nvPicPr>
+        <p:blipFill>
+          <a:blip r:embed="rId2">
+            <a:extLst>
+              <a:ext uri="{28A0092B-C50C-407E-A947-70E740481C1C}">
+                <a14:useLocalDpi xmlns:a14="http://schemas.microsoft.com/office/drawing/2010/main" val="0"/>
+              </a:ext>
+            </a:extLst>
+          </a:blip>
+          <a:stretch>
+            <a:fillRect/>
+          </a:stretch>
+        </p:blipFill>
+        <p:spPr>
+          <a:xfrm>
+            <a:off x="900343" y="4972868"/>
+            <a:ext cx="6086381" cy="1416177"/>
+          </a:xfrm>
+          <a:prstGeom prst="rect">
+            <a:avLst/>
+          </a:prstGeom>
+        </p:spPr>
+      </p:pic>
+      <p:pic>
+        <p:nvPicPr>
+          <p:cNvPr id="9" name="图片 8" descr="图示&#10;&#10;AI 生成的内容可能不正确。"/>
+          <p:cNvPicPr>
+            <a:picLocks noChangeAspect="1"/>
+          </p:cNvPicPr>
+          <p:nvPr/>
+        </p:nvPicPr>
+        <p:blipFill>
+          <a:blip r:embed="rId3">
+            <a:extLst>
+              <a:ext uri="{28A0092B-C50C-407E-A947-70E740481C1C}">
+                <a14:useLocalDpi xmlns:a14="http://schemas.microsoft.com/office/drawing/2010/main" val="0"/>
+              </a:ext>
+            </a:extLst>
+          </a:blip>
+          <a:srcRect l="33449" t="38077" r="34389" b="8680"/>
+          <a:stretch>
+            <a:fillRect/>
+          </a:stretch>
+        </p:blipFill>
+        <p:spPr>
+          <a:xfrm>
+            <a:off x="7954020" y="3477921"/>
+            <a:ext cx="2432483" cy="2911124"/>
+          </a:xfrm>
+          <a:prstGeom prst="rect">
+            <a:avLst/>
+          </a:prstGeom>
+        </p:spPr>
+      </p:pic>
+    </p:spTree>
+  </p:cSld>
+  <p:clrMapOvr>
+    <a:masterClrMapping/>
+  </p:clrMapOvr>
+</p:sld>
+</file>
+
 <file path=ppt/slides/slide2.xml><?xml version="1.0" encoding="utf-8"?>
 <p:sld xmlns:a="http://schemas.openxmlformats.org/drawingml/2006/main" xmlns:r="http://schemas.openxmlformats.org/officeDocument/2006/relationships" xmlns:p="http://schemas.openxmlformats.org/presentationml/2006/main">
   <p:cSld>
@@ -5745,7 +6600,14 @@
         <p:cNvGrpSpPr/>
         <p:nvPr/>
       </p:nvGrpSpPr>
-      <p:grpSpPr/>
+      <p:grpSpPr>
+        <a:xfrm>
+          <a:off x="0" y="0"/>
+          <a:ext cx="0" cy="0"/>
+          <a:chOff x="0" y="0"/>
+          <a:chExt cx="0" cy="0"/>
+        </a:xfrm>
+      </p:grpSpPr>
       <p:sp>
         <p:nvSpPr>
           <p:cNvPr id="2" name="标题 1"/>
@@ -5759,6 +6621,7 @@
         <p:spPr/>
         <p:txBody>
           <a:bodyPr/>
+          <a:lstStyle/>
           <a:p>
             <a:r>
               <a:rPr lang="zh-CN" altLang="en-US"/>
@@ -5786,21 +6649,14 @@
         </p:spPr>
         <p:txBody>
           <a:bodyPr/>
-          <a:p>
-            <a:pPr marL="0" indent="0">
-              <a:buNone/>
-            </a:pPr>
-            <a:r>
-              <a:rPr lang="zh-CN" altLang="en-US"/>
-              <a:t>给每个玩家发五张牌，</a:t>
-            </a:r>
-            <a:r>
-              <a:rPr lang="zh-CN" altLang="en-US"/>
-              <a:t>主要通过比较牌型大小判断</a:t>
-            </a:r>
-            <a:r>
-              <a:rPr lang="zh-CN" altLang="en-US"/>
-              <a:t>胜负</a:t>
+          <a:lstStyle/>
+          <a:p>
+            <a:pPr marL="0" indent="0">
+              <a:buNone/>
+            </a:pPr>
+            <a:r>
+              <a:rPr lang="zh-CN" altLang="en-US"/>
+              <a:t>给每个玩家发五张牌，主要通过比较牌型大小判断胜负</a:t>
             </a:r>
             <a:endParaRPr lang="zh-CN" altLang="en-US"/>
           </a:p>
@@ -5897,6 +6753,633 @@
 </p:sld>
 </file>
 
+<file path=ppt/slides/slide20.xml><?xml version="1.0" encoding="utf-8"?>
+<p:sld xmlns:a="http://schemas.openxmlformats.org/drawingml/2006/main" xmlns:r="http://schemas.openxmlformats.org/officeDocument/2006/relationships" xmlns:p="http://schemas.openxmlformats.org/presentationml/2006/main">
+  <p:cSld>
+    <p:spTree>
+      <p:nvGrpSpPr>
+        <p:cNvPr id="1" name=""/>
+        <p:cNvGrpSpPr/>
+        <p:nvPr/>
+      </p:nvGrpSpPr>
+      <p:grpSpPr>
+        <a:xfrm>
+          <a:off x="0" y="0"/>
+          <a:ext cx="0" cy="0"/>
+          <a:chOff x="0" y="0"/>
+          <a:chExt cx="0" cy="0"/>
+        </a:xfrm>
+      </p:grpSpPr>
+      <p:sp>
+        <p:nvSpPr>
+          <p:cNvPr id="2" name="标题 1"/>
+          <p:cNvSpPr>
+            <a:spLocks noGrp="1"/>
+          </p:cNvSpPr>
+          <p:nvPr>
+            <p:ph type="title"/>
+          </p:nvPr>
+        </p:nvSpPr>
+        <p:spPr/>
+        <p:txBody>
+          <a:bodyPr/>
+          <a:lstStyle/>
+          <a:p>
+            <a:r>
+              <a:rPr lang="zh-CN" altLang="en-US" dirty="0"/>
+              <a:t>图形化</a:t>
+            </a:r>
+            <a:endParaRPr lang="zh-CN" altLang="en-US" dirty="0"/>
+          </a:p>
+        </p:txBody>
+      </p:sp>
+      <p:sp>
+        <p:nvSpPr>
+          <p:cNvPr id="3" name="内容占位符 2"/>
+          <p:cNvSpPr>
+            <a:spLocks noGrp="1"/>
+          </p:cNvSpPr>
+          <p:nvPr>
+            <p:ph idx="1"/>
+          </p:nvPr>
+        </p:nvSpPr>
+        <p:spPr>
+          <a:xfrm>
+            <a:off x="838200" y="1376039"/>
+            <a:ext cx="10515600" cy="4559455"/>
+          </a:xfrm>
+        </p:spPr>
+        <p:txBody>
+          <a:bodyPr/>
+          <a:lstStyle/>
+          <a:p>
+            <a:pPr marL="0" indent="0">
+              <a:buNone/>
+            </a:pPr>
+            <a:r>
+              <a:rPr lang="zh-CN" altLang="en-US" dirty="0"/>
+              <a:t>按钮控制</a:t>
+            </a:r>
+            <a:endParaRPr lang="en-US" altLang="zh-CN" dirty="0"/>
+          </a:p>
+          <a:p>
+            <a:pPr marL="0" indent="0">
+              <a:buNone/>
+            </a:pPr>
+            <a:r>
+              <a:rPr lang="zh-CN" altLang="en-US" dirty="0"/>
+              <a:t>循环检测信息</a:t>
+            </a:r>
+            <a:endParaRPr lang="en-US" altLang="zh-CN" dirty="0"/>
+          </a:p>
+          <a:p>
+            <a:pPr marL="0" indent="0">
+              <a:buNone/>
+            </a:pPr>
+            <a:r>
+              <a:rPr lang="zh-CN" altLang="en-US" dirty="0"/>
+              <a:t>根据按纽信息运行不同后续</a:t>
+            </a:r>
+            <a:endParaRPr lang="zh-CN" altLang="en-US" dirty="0"/>
+          </a:p>
+        </p:txBody>
+      </p:sp>
+      <p:pic>
+        <p:nvPicPr>
+          <p:cNvPr id="6" name="图片 5" descr="文本&#10;&#10;AI 生成的内容可能不正确。"/>
+          <p:cNvPicPr>
+            <a:picLocks noChangeAspect="1"/>
+          </p:cNvPicPr>
+          <p:nvPr/>
+        </p:nvPicPr>
+        <p:blipFill>
+          <a:blip r:embed="rId1">
+            <a:extLst>
+              <a:ext uri="{28A0092B-C50C-407E-A947-70E740481C1C}">
+                <a14:useLocalDpi xmlns:a14="http://schemas.microsoft.com/office/drawing/2010/main" val="0"/>
+              </a:ext>
+            </a:extLst>
+          </a:blip>
+          <a:srcRect l="597" t="1424" r="7192" b="-1424"/>
+          <a:stretch>
+            <a:fillRect/>
+          </a:stretch>
+        </p:blipFill>
+        <p:spPr>
+          <a:xfrm>
+            <a:off x="1030373" y="2831301"/>
+            <a:ext cx="4116585" cy="3740342"/>
+          </a:xfrm>
+          <a:prstGeom prst="rect">
+            <a:avLst/>
+          </a:prstGeom>
+        </p:spPr>
+      </p:pic>
+      <p:pic>
+        <p:nvPicPr>
+          <p:cNvPr id="10" name="图片 9" descr="图片包含 背景图案&#10;&#10;AI 生成的内容可能不正确。"/>
+          <p:cNvPicPr>
+            <a:picLocks noChangeAspect="1"/>
+          </p:cNvPicPr>
+          <p:nvPr/>
+        </p:nvPicPr>
+        <p:blipFill>
+          <a:blip r:embed="rId2" cstate="print">
+            <a:extLst>
+              <a:ext uri="{28A0092B-C50C-407E-A947-70E740481C1C}">
+                <a14:useLocalDpi xmlns:a14="http://schemas.microsoft.com/office/drawing/2010/main" val="0"/>
+              </a:ext>
+            </a:extLst>
+          </a:blip>
+          <a:stretch>
+            <a:fillRect/>
+          </a:stretch>
+        </p:blipFill>
+        <p:spPr>
+          <a:xfrm>
+            <a:off x="6405166" y="1027906"/>
+            <a:ext cx="3762519" cy="2660838"/>
+          </a:xfrm>
+          <a:prstGeom prst="rect">
+            <a:avLst/>
+          </a:prstGeom>
+        </p:spPr>
+      </p:pic>
+      <p:pic>
+        <p:nvPicPr>
+          <p:cNvPr id="12" name="图片 11" descr="背景图案&#10;&#10;AI 生成的内容可能不正确。"/>
+          <p:cNvPicPr>
+            <a:picLocks noChangeAspect="1"/>
+          </p:cNvPicPr>
+          <p:nvPr/>
+        </p:nvPicPr>
+        <p:blipFill>
+          <a:blip r:embed="rId3" cstate="print">
+            <a:extLst>
+              <a:ext uri="{28A0092B-C50C-407E-A947-70E740481C1C}">
+                <a14:useLocalDpi xmlns:a14="http://schemas.microsoft.com/office/drawing/2010/main" val="0"/>
+              </a:ext>
+            </a:extLst>
+          </a:blip>
+          <a:stretch>
+            <a:fillRect/>
+          </a:stretch>
+        </p:blipFill>
+        <p:spPr>
+          <a:xfrm>
+            <a:off x="6405166" y="3861037"/>
+            <a:ext cx="3690426" cy="2630707"/>
+          </a:xfrm>
+          <a:prstGeom prst="rect">
+            <a:avLst/>
+          </a:prstGeom>
+        </p:spPr>
+      </p:pic>
+    </p:spTree>
+  </p:cSld>
+  <p:clrMapOvr>
+    <a:masterClrMapping/>
+  </p:clrMapOvr>
+</p:sld>
+</file>
+
+<file path=ppt/slides/slide21.xml><?xml version="1.0" encoding="utf-8"?>
+<p:sld xmlns:a="http://schemas.openxmlformats.org/drawingml/2006/main" xmlns:r="http://schemas.openxmlformats.org/officeDocument/2006/relationships" xmlns:p="http://schemas.openxmlformats.org/presentationml/2006/main">
+  <p:cSld>
+    <p:spTree>
+      <p:nvGrpSpPr>
+        <p:cNvPr id="1" name=""/>
+        <p:cNvGrpSpPr/>
+        <p:nvPr/>
+      </p:nvGrpSpPr>
+      <p:grpSpPr>
+        <a:xfrm>
+          <a:off x="0" y="0"/>
+          <a:ext cx="0" cy="0"/>
+          <a:chOff x="0" y="0"/>
+          <a:chExt cx="0" cy="0"/>
+        </a:xfrm>
+      </p:grpSpPr>
+      <p:sp>
+        <p:nvSpPr>
+          <p:cNvPr id="2" name="标题 1"/>
+          <p:cNvSpPr>
+            <a:spLocks noGrp="1"/>
+          </p:cNvSpPr>
+          <p:nvPr>
+            <p:ph type="title"/>
+          </p:nvPr>
+        </p:nvSpPr>
+        <p:spPr/>
+        <p:txBody>
+          <a:bodyPr/>
+          <a:lstStyle/>
+          <a:p>
+            <a:r>
+              <a:rPr lang="zh-CN" altLang="en-US" dirty="0"/>
+              <a:t>图形化</a:t>
+            </a:r>
+            <a:endParaRPr lang="zh-CN" altLang="en-US" dirty="0"/>
+          </a:p>
+        </p:txBody>
+      </p:sp>
+      <p:sp>
+        <p:nvSpPr>
+          <p:cNvPr id="3" name="内容占位符 2"/>
+          <p:cNvSpPr>
+            <a:spLocks noGrp="1"/>
+          </p:cNvSpPr>
+          <p:nvPr>
+            <p:ph idx="1"/>
+          </p:nvPr>
+        </p:nvSpPr>
+        <p:spPr>
+          <a:xfrm>
+            <a:off x="838200" y="1598889"/>
+            <a:ext cx="10515600" cy="4351338"/>
+          </a:xfrm>
+        </p:spPr>
+        <p:txBody>
+          <a:bodyPr/>
+          <a:lstStyle/>
+          <a:p>
+            <a:pPr marL="0" indent="0">
+              <a:buNone/>
+            </a:pPr>
+            <a:r>
+              <a:rPr lang="zh-CN" altLang="en-US" dirty="0"/>
+              <a:t>显示牌：</a:t>
+            </a:r>
+            <a:endParaRPr lang="en-US" altLang="zh-CN" dirty="0"/>
+          </a:p>
+          <a:p>
+            <a:pPr marL="0" indent="0">
+              <a:buNone/>
+            </a:pPr>
+            <a:endParaRPr lang="en-US" altLang="zh-CN" dirty="0"/>
+          </a:p>
+          <a:p>
+            <a:pPr marL="0" indent="0">
+              <a:buNone/>
+            </a:pPr>
+            <a:r>
+              <a:rPr lang="zh-CN" altLang="en-US" dirty="0"/>
+              <a:t>根据牌的编号给图片命名</a:t>
+            </a:r>
+            <a:endParaRPr lang="en-US" altLang="zh-CN" dirty="0"/>
+          </a:p>
+          <a:p>
+            <a:pPr marL="0" indent="0">
+              <a:buNone/>
+            </a:pPr>
+            <a:endParaRPr lang="en-US" altLang="zh-CN" dirty="0"/>
+          </a:p>
+          <a:p>
+            <a:pPr marL="0" indent="0">
+              <a:buNone/>
+            </a:pPr>
+            <a:endParaRPr lang="en-US" altLang="zh-CN" dirty="0"/>
+          </a:p>
+          <a:p>
+            <a:pPr marL="0" indent="0">
+              <a:buNone/>
+            </a:pPr>
+            <a:endParaRPr lang="en-US" altLang="zh-CN" dirty="0"/>
+          </a:p>
+          <a:p>
+            <a:pPr marL="0" indent="0">
+              <a:buNone/>
+            </a:pPr>
+            <a:r>
+              <a:rPr lang="zh-CN" altLang="en-US" dirty="0"/>
+              <a:t>根据编号显示相应图片</a:t>
+            </a:r>
+            <a:endParaRPr lang="zh-CN" altLang="en-US" dirty="0"/>
+          </a:p>
+        </p:txBody>
+      </p:sp>
+      <p:pic>
+        <p:nvPicPr>
+          <p:cNvPr id="9" name="图片 8" descr="图形用户界面&#10;&#10;AI 生成的内容可能不正确。"/>
+          <p:cNvPicPr>
+            <a:picLocks noChangeAspect="1"/>
+          </p:cNvPicPr>
+          <p:nvPr/>
+        </p:nvPicPr>
+        <p:blipFill>
+          <a:blip r:embed="rId1">
+            <a:extLst>
+              <a:ext uri="{28A0092B-C50C-407E-A947-70E740481C1C}">
+                <a14:useLocalDpi xmlns:a14="http://schemas.microsoft.com/office/drawing/2010/main" val="0"/>
+              </a:ext>
+            </a:extLst>
+          </a:blip>
+          <a:stretch>
+            <a:fillRect/>
+          </a:stretch>
+        </p:blipFill>
+        <p:spPr>
+          <a:xfrm>
+            <a:off x="5671697" y="1819636"/>
+            <a:ext cx="4335262" cy="2209631"/>
+          </a:xfrm>
+          <a:prstGeom prst="rect">
+            <a:avLst/>
+          </a:prstGeom>
+        </p:spPr>
+      </p:pic>
+      <p:pic>
+        <p:nvPicPr>
+          <p:cNvPr id="11" name="图片 10" descr="文本&#10;&#10;AI 生成的内容可能不正确。"/>
+          <p:cNvPicPr>
+            <a:picLocks noChangeAspect="1"/>
+          </p:cNvPicPr>
+          <p:nvPr/>
+        </p:nvPicPr>
+        <p:blipFill>
+          <a:blip r:embed="rId2">
+            <a:extLst>
+              <a:ext uri="{28A0092B-C50C-407E-A947-70E740481C1C}">
+                <a14:useLocalDpi xmlns:a14="http://schemas.microsoft.com/office/drawing/2010/main" val="0"/>
+              </a:ext>
+            </a:extLst>
+          </a:blip>
+          <a:stretch>
+            <a:fillRect/>
+          </a:stretch>
+        </p:blipFill>
+        <p:spPr>
+          <a:xfrm>
+            <a:off x="5671697" y="4307873"/>
+            <a:ext cx="6445581" cy="1149409"/>
+          </a:xfrm>
+          <a:prstGeom prst="rect">
+            <a:avLst/>
+          </a:prstGeom>
+        </p:spPr>
+      </p:pic>
+    </p:spTree>
+  </p:cSld>
+  <p:clrMapOvr>
+    <a:masterClrMapping/>
+  </p:clrMapOvr>
+</p:sld>
+</file>
+
+<file path=ppt/slides/slide22.xml><?xml version="1.0" encoding="utf-8"?>
+<p:sld xmlns:a="http://schemas.openxmlformats.org/drawingml/2006/main" xmlns:r="http://schemas.openxmlformats.org/officeDocument/2006/relationships" xmlns:p="http://schemas.openxmlformats.org/presentationml/2006/main">
+  <p:cSld>
+    <p:spTree>
+      <p:nvGrpSpPr>
+        <p:cNvPr id="1" name=""/>
+        <p:cNvGrpSpPr/>
+        <p:nvPr/>
+      </p:nvGrpSpPr>
+      <p:grpSpPr>
+        <a:xfrm>
+          <a:off x="0" y="0"/>
+          <a:ext cx="0" cy="0"/>
+          <a:chOff x="0" y="0"/>
+          <a:chExt cx="0" cy="0"/>
+        </a:xfrm>
+      </p:grpSpPr>
+      <p:sp>
+        <p:nvSpPr>
+          <p:cNvPr id="2" name="标题 1"/>
+          <p:cNvSpPr>
+            <a:spLocks noGrp="1"/>
+          </p:cNvSpPr>
+          <p:nvPr>
+            <p:ph type="title"/>
+          </p:nvPr>
+        </p:nvSpPr>
+        <p:spPr/>
+        <p:txBody>
+          <a:bodyPr/>
+          <a:lstStyle/>
+          <a:p>
+            <a:r>
+              <a:rPr lang="zh-CN" altLang="en-US" dirty="0"/>
+              <a:t>图形化</a:t>
+            </a:r>
+            <a:endParaRPr lang="zh-CN" altLang="en-US" dirty="0"/>
+          </a:p>
+        </p:txBody>
+      </p:sp>
+      <p:sp>
+        <p:nvSpPr>
+          <p:cNvPr id="3" name="内容占位符 2"/>
+          <p:cNvSpPr>
+            <a:spLocks noGrp="1"/>
+          </p:cNvSpPr>
+          <p:nvPr>
+            <p:ph idx="1"/>
+          </p:nvPr>
+        </p:nvSpPr>
+        <p:spPr>
+          <a:xfrm>
+            <a:off x="838200" y="1550417"/>
+            <a:ext cx="10515600" cy="4335478"/>
+          </a:xfrm>
+        </p:spPr>
+        <p:txBody>
+          <a:bodyPr/>
+          <a:lstStyle/>
+          <a:p>
+            <a:pPr marL="0" indent="0">
+              <a:buNone/>
+            </a:pPr>
+            <a:r>
+              <a:rPr lang="zh-CN" altLang="en-US" dirty="0"/>
+              <a:t>结算界面</a:t>
+            </a:r>
+            <a:endParaRPr lang="en-US" altLang="zh-CN" dirty="0"/>
+          </a:p>
+          <a:p>
+            <a:pPr marL="0" indent="0">
+              <a:buNone/>
+            </a:pPr>
+            <a:endParaRPr lang="en-US" altLang="zh-CN" dirty="0"/>
+          </a:p>
+          <a:p>
+            <a:pPr marL="0" indent="0">
+              <a:buNone/>
+            </a:pPr>
+            <a:r>
+              <a:rPr lang="zh-CN" altLang="en-US" dirty="0"/>
+              <a:t>绘制结算窗口</a:t>
+            </a:r>
+            <a:endParaRPr lang="en-US" altLang="zh-CN" dirty="0"/>
+          </a:p>
+          <a:p>
+            <a:pPr marL="0" indent="0">
+              <a:buNone/>
+            </a:pPr>
+            <a:endParaRPr lang="en-US" altLang="zh-CN" dirty="0"/>
+          </a:p>
+          <a:p>
+            <a:pPr marL="0" indent="0">
+              <a:buNone/>
+            </a:pPr>
+            <a:endParaRPr lang="en-US" altLang="zh-CN" dirty="0"/>
+          </a:p>
+          <a:p>
+            <a:pPr marL="0" indent="0">
+              <a:buNone/>
+            </a:pPr>
+            <a:r>
+              <a:rPr lang="zh-CN" altLang="en-US" dirty="0"/>
+              <a:t>按键检测决定后续</a:t>
+            </a:r>
+            <a:endParaRPr lang="zh-CN" altLang="en-US" dirty="0"/>
+          </a:p>
+        </p:txBody>
+      </p:sp>
+      <p:pic>
+        <p:nvPicPr>
+          <p:cNvPr id="7" name="图片 6" descr="图形用户界面&#10;&#10;AI 生成的内容可能不正确。"/>
+          <p:cNvPicPr>
+            <a:picLocks noChangeAspect="1"/>
+          </p:cNvPicPr>
+          <p:nvPr/>
+        </p:nvPicPr>
+        <p:blipFill>
+          <a:blip r:embed="rId1">
+            <a:extLst>
+              <a:ext uri="{28A0092B-C50C-407E-A947-70E740481C1C}">
+                <a14:useLocalDpi xmlns:a14="http://schemas.microsoft.com/office/drawing/2010/main" val="0"/>
+              </a:ext>
+            </a:extLst>
+          </a:blip>
+          <a:stretch>
+            <a:fillRect/>
+          </a:stretch>
+        </p:blipFill>
+        <p:spPr>
+          <a:xfrm>
+            <a:off x="6096000" y="1550417"/>
+            <a:ext cx="3256620" cy="2298791"/>
+          </a:xfrm>
+          <a:prstGeom prst="rect">
+            <a:avLst/>
+          </a:prstGeom>
+        </p:spPr>
+      </p:pic>
+      <p:pic>
+        <p:nvPicPr>
+          <p:cNvPr id="9" name="图片 8" descr="文本&#10;&#10;AI 生成的内容可能不正确。"/>
+          <p:cNvPicPr>
+            <a:picLocks noChangeAspect="1"/>
+          </p:cNvPicPr>
+          <p:nvPr/>
+        </p:nvPicPr>
+        <p:blipFill>
+          <a:blip r:embed="rId2">
+            <a:extLst>
+              <a:ext uri="{28A0092B-C50C-407E-A947-70E740481C1C}">
+                <a14:useLocalDpi xmlns:a14="http://schemas.microsoft.com/office/drawing/2010/main" val="0"/>
+              </a:ext>
+            </a:extLst>
+          </a:blip>
+          <a:stretch>
+            <a:fillRect/>
+          </a:stretch>
+        </p:blipFill>
+        <p:spPr>
+          <a:xfrm>
+            <a:off x="6096000" y="4368226"/>
+            <a:ext cx="4186179" cy="1878714"/>
+          </a:xfrm>
+          <a:prstGeom prst="rect">
+            <a:avLst/>
+          </a:prstGeom>
+        </p:spPr>
+      </p:pic>
+    </p:spTree>
+  </p:cSld>
+  <p:clrMapOvr>
+    <a:masterClrMapping/>
+  </p:clrMapOvr>
+</p:sld>
+</file>
+
+<file path=ppt/slides/slide23.xml><?xml version="1.0" encoding="utf-8"?>
+<p:sld xmlns:a="http://schemas.openxmlformats.org/drawingml/2006/main" xmlns:r="http://schemas.openxmlformats.org/officeDocument/2006/relationships" xmlns:p="http://schemas.openxmlformats.org/presentationml/2006/main">
+  <p:cSld>
+    <p:spTree>
+      <p:nvGrpSpPr>
+        <p:cNvPr id="1" name=""/>
+        <p:cNvGrpSpPr/>
+        <p:nvPr/>
+      </p:nvGrpSpPr>
+      <p:grpSpPr>
+        <a:xfrm>
+          <a:off x="0" y="0"/>
+          <a:ext cx="0" cy="0"/>
+          <a:chOff x="0" y="0"/>
+          <a:chExt cx="0" cy="0"/>
+        </a:xfrm>
+      </p:grpSpPr>
+      <p:sp>
+        <p:nvSpPr>
+          <p:cNvPr id="2" name="标题 1"/>
+          <p:cNvSpPr>
+            <a:spLocks noGrp="1"/>
+          </p:cNvSpPr>
+          <p:nvPr>
+            <p:ph type="title"/>
+          </p:nvPr>
+        </p:nvSpPr>
+        <p:spPr/>
+        <p:txBody>
+          <a:bodyPr/>
+          <a:lstStyle/>
+          <a:p>
+            <a:r>
+              <a:rPr lang="zh-CN" altLang="en-US" dirty="0"/>
+              <a:t>音乐</a:t>
+            </a:r>
+            <a:endParaRPr lang="zh-CN" altLang="en-US" dirty="0"/>
+          </a:p>
+        </p:txBody>
+      </p:sp>
+      <p:pic>
+        <p:nvPicPr>
+          <p:cNvPr id="5" name="内容占位符 4" descr="文本&#10;&#10;AI 生成的内容可能不正确。"/>
+          <p:cNvPicPr>
+            <a:picLocks noGrp="1" noChangeAspect="1"/>
+          </p:cNvPicPr>
+          <p:nvPr>
+            <p:ph idx="1"/>
+          </p:nvPr>
+        </p:nvPicPr>
+        <p:blipFill>
+          <a:blip r:embed="rId1">
+            <a:extLst>
+              <a:ext uri="{28A0092B-C50C-407E-A947-70E740481C1C}">
+                <a14:useLocalDpi xmlns:a14="http://schemas.microsoft.com/office/drawing/2010/main" val="0"/>
+              </a:ext>
+            </a:extLst>
+          </a:blip>
+          <a:stretch>
+            <a:fillRect/>
+          </a:stretch>
+        </p:blipFill>
+        <p:spPr>
+          <a:xfrm>
+            <a:off x="944732" y="1548646"/>
+            <a:ext cx="4381870" cy="4670286"/>
+          </a:xfrm>
+        </p:spPr>
+      </p:pic>
+    </p:spTree>
+  </p:cSld>
+  <p:clrMapOvr>
+    <a:masterClrMapping/>
+  </p:clrMapOvr>
+</p:sld>
+</file>
+
 <file path=ppt/slides/slide3.xml><?xml version="1.0" encoding="utf-8"?>
 <p:sld xmlns:a="http://schemas.openxmlformats.org/drawingml/2006/main" xmlns:r="http://schemas.openxmlformats.org/officeDocument/2006/relationships" xmlns:p="http://schemas.openxmlformats.org/presentationml/2006/main">
   <p:cSld>
@@ -5906,7 +7389,14 @@
         <p:cNvGrpSpPr/>
         <p:nvPr/>
       </p:nvGrpSpPr>
-      <p:grpSpPr/>
+      <p:grpSpPr>
+        <a:xfrm>
+          <a:off x="0" y="0"/>
+          <a:ext cx="0" cy="0"/>
+          <a:chOff x="0" y="0"/>
+          <a:chExt cx="0" cy="0"/>
+        </a:xfrm>
+      </p:grpSpPr>
       <p:sp>
         <p:nvSpPr>
           <p:cNvPr id="2" name="标题 1"/>
@@ -5920,6 +7410,7 @@
         <p:spPr/>
         <p:txBody>
           <a:bodyPr/>
+          <a:lstStyle/>
           <a:p>
             <a:r>
               <a:rPr lang="zh-CN" altLang="en-US">
@@ -5949,8 +7440,9 @@
         </p:spPr>
         <p:txBody>
           <a:bodyPr>
-            <a:normAutofit lnSpcReduction="10000"/>
+            <a:normAutofit/>
           </a:bodyPr>
+          <a:lstStyle/>
           <a:p>
             <a:pPr marL="0" indent="0">
               <a:buNone/>
@@ -5961,11 +7453,7 @@
             </a:r>
             <a:r>
               <a:rPr lang="zh-CN" altLang="en-US"/>
-              <a:t>：牌型相同怎么</a:t>
-            </a:r>
-            <a:r>
-              <a:rPr lang="zh-CN" altLang="en-US"/>
-              <a:t>办？</a:t>
+              <a:t>：牌型相同怎么办？</a:t>
             </a:r>
             <a:endParaRPr lang="zh-CN" altLang="en-US"/>
           </a:p>
@@ -5985,11 +7473,7 @@
             </a:r>
             <a:r>
               <a:rPr lang="zh-CN" altLang="en-US"/>
-              <a:t>：比最大关键牌的</a:t>
-            </a:r>
-            <a:r>
-              <a:rPr lang="zh-CN" altLang="en-US"/>
-              <a:t>点数</a:t>
+              <a:t>：比最大关键牌的点数</a:t>
             </a:r>
             <a:endParaRPr lang="zh-CN" altLang="en-US"/>
           </a:p>
@@ -6101,7 +7585,14 @@
         <p:cNvGrpSpPr/>
         <p:nvPr/>
       </p:nvGrpSpPr>
-      <p:grpSpPr/>
+      <p:grpSpPr>
+        <a:xfrm>
+          <a:off x="0" y="0"/>
+          <a:ext cx="0" cy="0"/>
+          <a:chOff x="0" y="0"/>
+          <a:chExt cx="0" cy="0"/>
+        </a:xfrm>
+      </p:grpSpPr>
       <p:sp>
         <p:nvSpPr>
           <p:cNvPr id="2" name="标题 1"/>
@@ -6115,6 +7606,7 @@
         <p:spPr/>
         <p:txBody>
           <a:bodyPr/>
+          <a:lstStyle/>
           <a:p>
             <a:r>
               <a:rPr lang="zh-CN" altLang="en-US">
@@ -6144,6 +7636,7 @@
         </p:spPr>
         <p:txBody>
           <a:bodyPr/>
+          <a:lstStyle/>
           <a:p>
             <a:pPr marL="0" indent="0">
               <a:buNone/>
@@ -6196,19 +7689,7 @@
               <a:rPr lang="zh-CN" altLang="en-US">
                 <a:sym typeface="+mn-ea"/>
               </a:rPr>
-              <a:t>举例：三张和</a:t>
-            </a:r>
-            <a:r>
-              <a:rPr lang="zh-CN" altLang="en-US">
-                <a:sym typeface="+mn-ea"/>
-              </a:rPr>
-              <a:t>三带二</a:t>
-            </a:r>
-            <a:r>
-              <a:rPr lang="zh-CN" altLang="en-US">
-                <a:sym typeface="+mn-ea"/>
-              </a:rPr>
-              <a:t>就是那三张相同点数的牌的一张，</a:t>
+              <a:t>举例：三张和三带二就是那三张相同点数的牌的一张，</a:t>
             </a:r>
             <a:endParaRPr lang="zh-CN" altLang="en-US"/>
           </a:p>
@@ -6430,7 +7911,14 @@
         <p:cNvGrpSpPr/>
         <p:nvPr/>
       </p:nvGrpSpPr>
-      <p:grpSpPr/>
+      <p:grpSpPr>
+        <a:xfrm>
+          <a:off x="0" y="0"/>
+          <a:ext cx="0" cy="0"/>
+          <a:chOff x="0" y="0"/>
+          <a:chExt cx="0" cy="0"/>
+        </a:xfrm>
+      </p:grpSpPr>
       <p:sp>
         <p:nvSpPr>
           <p:cNvPr id="2" name="标题 1"/>
@@ -6444,6 +7932,7 @@
         <p:spPr/>
         <p:txBody>
           <a:bodyPr/>
+          <a:lstStyle/>
           <a:p>
             <a:r>
               <a:rPr lang="zh-CN" altLang="en-US"/>
@@ -6471,6 +7960,7 @@
         </p:spPr>
         <p:txBody>
           <a:bodyPr/>
+          <a:lstStyle/>
           <a:p>
             <a:pPr marL="0" indent="0">
               <a:buNone/>
@@ -6511,7 +8001,13 @@
               <a:rPr lang="zh-CN" altLang="en-US">
                 <a:sym typeface="+mn-ea"/>
               </a:rPr>
-              <a:t>：比最大牌的花色</a:t>
+              <a:t>：比最大</a:t>
+            </a:r>
+            <a:r>
+              <a:rPr lang="zh-CN" altLang="en-US">
+                <a:sym typeface="+mn-ea"/>
+              </a:rPr>
+              <a:t>关键牌的花色</a:t>
             </a:r>
             <a:endParaRPr lang="zh-CN" altLang="en-US"/>
           </a:p>
@@ -6616,7 +8112,14 @@
         <p:cNvGrpSpPr/>
         <p:nvPr/>
       </p:nvGrpSpPr>
-      <p:grpSpPr/>
+      <p:grpSpPr>
+        <a:xfrm>
+          <a:off x="0" y="0"/>
+          <a:ext cx="0" cy="0"/>
+          <a:chOff x="0" y="0"/>
+          <a:chExt cx="0" cy="0"/>
+        </a:xfrm>
+      </p:grpSpPr>
       <p:sp>
         <p:nvSpPr>
           <p:cNvPr id="2" name="标题 1"/>
@@ -6630,6 +8133,7 @@
         <p:spPr/>
         <p:txBody>
           <a:bodyPr/>
+          <a:lstStyle/>
           <a:p>
             <a:r>
               <a:rPr lang="zh-CN" altLang="en-US">
@@ -6663,8 +8167,9 @@
         </p:spPr>
         <p:txBody>
           <a:bodyPr>
-            <a:normAutofit lnSpcReduction="20000"/>
+            <a:normAutofit lnSpcReduction="10000"/>
           </a:bodyPr>
+          <a:lstStyle/>
           <a:p>
             <a:r>
               <a:rPr lang="en-US" altLang="zh-CN"/>
@@ -6697,11 +8202,7 @@
             </a:r>
             <a:r>
               <a:rPr lang="zh-CN" altLang="en-US"/>
-              <a:t>张牌大小的</a:t>
-            </a:r>
-            <a:r>
-              <a:rPr lang="zh-CN" altLang="en-US"/>
-              <a:t>数组</a:t>
+              <a:t>张牌大小的数组</a:t>
             </a:r>
             <a:endParaRPr lang="zh-CN" altLang="en-US"/>
           </a:p>
@@ -6731,11 +8232,7 @@
             </a:r>
             <a:r>
               <a:rPr lang="zh-CN" altLang="en-US"/>
-              <a:t>保证随机性的发牌</a:t>
-            </a:r>
-            <a:r>
-              <a:rPr lang="zh-CN" altLang="en-US"/>
-              <a:t>算法</a:t>
+              <a:t>保证随机性的发牌算法</a:t>
             </a:r>
             <a:endParaRPr lang="zh-CN" altLang="en-US"/>
           </a:p>
@@ -6773,11 +8270,7 @@
             </a:r>
             <a:r>
               <a:rPr lang="zh-CN" altLang="en-US"/>
-              <a:t>每个玩家卡牌数的二维</a:t>
-            </a:r>
-            <a:r>
-              <a:rPr lang="zh-CN" altLang="en-US"/>
-              <a:t>数组</a:t>
+              <a:t>每个玩家卡牌数的二维数组</a:t>
             </a:r>
             <a:endParaRPr lang="zh-CN" altLang="en-US"/>
           </a:p>
@@ -7030,7 +8523,14 @@
         <p:cNvGrpSpPr/>
         <p:nvPr/>
       </p:nvGrpSpPr>
-      <p:grpSpPr/>
+      <p:grpSpPr>
+        <a:xfrm>
+          <a:off x="0" y="0"/>
+          <a:ext cx="0" cy="0"/>
+          <a:chOff x="0" y="0"/>
+          <a:chExt cx="0" cy="0"/>
+        </a:xfrm>
+      </p:grpSpPr>
       <p:sp>
         <p:nvSpPr>
           <p:cNvPr id="2" name="标题 1"/>
@@ -7044,6 +8544,7 @@
         <p:spPr/>
         <p:txBody>
           <a:bodyPr/>
+          <a:lstStyle/>
           <a:p>
             <a:r>
               <a:rPr lang="zh-CN" altLang="en-US">
@@ -7070,6 +8571,7 @@
         <p:spPr/>
         <p:txBody>
           <a:bodyPr/>
+          <a:lstStyle/>
           <a:p>
             <a:r>
               <a:rPr lang="en-US" altLang="zh-CN"/>
@@ -7077,51 +8579,43 @@
             </a:r>
             <a:r>
               <a:rPr lang="zh-CN" altLang="en-US"/>
-              <a:t>实现玩家牌的分析功能，给出分析结</a:t>
-            </a:r>
-            <a:r>
-              <a:rPr lang="zh-CN" altLang="en-US"/>
-              <a:t>果</a:t>
-            </a:r>
-            <a:endParaRPr lang="zh-CN" altLang="en-US"/>
-          </a:p>
-          <a:p>
-            <a:pPr marL="0" indent="0">
-              <a:buNone/>
-            </a:pPr>
-            <a:r>
-              <a:rPr lang="zh-CN" altLang="en-US"/>
-              <a:t>用一个什么东西记录每个玩家的牌型、关键牌、最大牌</a:t>
-            </a:r>
-            <a:r>
-              <a:rPr lang="zh-CN" altLang="en-US"/>
-              <a:t>花色</a:t>
-            </a:r>
-            <a:endParaRPr lang="zh-CN" altLang="en-US"/>
-          </a:p>
-          <a:p>
-            <a:pPr marL="0" indent="0">
-              <a:buNone/>
-            </a:pPr>
-            <a:endParaRPr lang="zh-CN" altLang="en-US"/>
-          </a:p>
-          <a:p>
-            <a:pPr marL="0" indent="0">
-              <a:buNone/>
-            </a:pPr>
-            <a:endParaRPr lang="zh-CN" altLang="en-US"/>
-          </a:p>
-          <a:p>
-            <a:pPr marL="0" indent="0">
-              <a:buNone/>
-            </a:pPr>
-            <a:r>
-              <a:rPr lang="zh-CN" altLang="en-US"/>
-              <a:t>比较值的</a:t>
-            </a:r>
-            <a:r>
-              <a:rPr lang="zh-CN" altLang="en-US"/>
-              <a:t>大小</a:t>
+              <a:t>实现玩家牌的分析功能，给出分析结果</a:t>
+            </a:r>
+            <a:endParaRPr lang="zh-CN" altLang="en-US"/>
+          </a:p>
+          <a:p>
+            <a:pPr marL="0" indent="0">
+              <a:buNone/>
+            </a:pPr>
+            <a:r>
+              <a:rPr lang="zh-CN" altLang="en-US"/>
+              <a:t>用一个什么东西记录每个玩家的牌型、关键牌、最大</a:t>
+            </a:r>
+            <a:r>
+              <a:rPr lang="zh-CN" altLang="en-US"/>
+              <a:t>关键牌花色</a:t>
+            </a:r>
+            <a:endParaRPr lang="zh-CN" altLang="en-US"/>
+          </a:p>
+          <a:p>
+            <a:pPr marL="0" indent="0">
+              <a:buNone/>
+            </a:pPr>
+            <a:endParaRPr lang="zh-CN" altLang="en-US"/>
+          </a:p>
+          <a:p>
+            <a:pPr marL="0" indent="0">
+              <a:buNone/>
+            </a:pPr>
+            <a:endParaRPr lang="zh-CN" altLang="en-US"/>
+          </a:p>
+          <a:p>
+            <a:pPr marL="0" indent="0">
+              <a:buNone/>
+            </a:pPr>
+            <a:r>
+              <a:rPr lang="zh-CN" altLang="en-US"/>
+              <a:t>比较值的大小</a:t>
             </a:r>
             <a:endParaRPr lang="zh-CN" altLang="en-US"/>
           </a:p>
@@ -7325,7 +8819,14 @@
         <p:cNvGrpSpPr/>
         <p:nvPr/>
       </p:nvGrpSpPr>
-      <p:grpSpPr/>
+      <p:grpSpPr>
+        <a:xfrm>
+          <a:off x="0" y="0"/>
+          <a:ext cx="0" cy="0"/>
+          <a:chOff x="0" y="0"/>
+          <a:chExt cx="0" cy="0"/>
+        </a:xfrm>
+      </p:grpSpPr>
       <p:sp>
         <p:nvSpPr>
           <p:cNvPr id="2" name="标题 1"/>
@@ -7339,14 +8840,11 @@
         <p:spPr/>
         <p:txBody>
           <a:bodyPr/>
-          <a:p>
-            <a:r>
-              <a:rPr lang="zh-CN" altLang="en-US"/>
-              <a:t>我们的</a:t>
-            </a:r>
-            <a:r>
-              <a:rPr lang="zh-CN" altLang="en-US"/>
-              <a:t>做法</a:t>
+          <a:lstStyle/>
+          <a:p>
+            <a:r>
+              <a:rPr lang="zh-CN" altLang="en-US"/>
+              <a:t>我们的做法</a:t>
             </a:r>
             <a:endParaRPr lang="zh-CN" altLang="en-US"/>
           </a:p>
@@ -7365,6 +8863,7 @@
         <p:spPr/>
         <p:txBody>
           <a:bodyPr/>
+          <a:lstStyle/>
           <a:p>
             <a:pPr marL="0" indent="0">
               <a:buNone/>
@@ -7375,65 +8874,49 @@
             </a:r>
             <a:r>
               <a:rPr lang="zh-CN" altLang="en-US"/>
-              <a:t>扑克牌的</a:t>
-            </a:r>
-            <a:r>
-              <a:rPr lang="zh-CN" altLang="en-US"/>
-              <a:t>表示：</a:t>
-            </a:r>
-            <a:endParaRPr lang="zh-CN" altLang="en-US"/>
-          </a:p>
-          <a:p>
-            <a:pPr marL="0" indent="0">
-              <a:buNone/>
-            </a:pPr>
-            <a:r>
-              <a:rPr lang="zh-CN" altLang="en-US"/>
-              <a:t>一个三位</a:t>
-            </a:r>
-            <a:r>
-              <a:rPr lang="zh-CN" altLang="en-US"/>
-              <a:t>数</a:t>
-            </a:r>
-            <a:endParaRPr lang="zh-CN" altLang="en-US"/>
-          </a:p>
-          <a:p>
-            <a:pPr marL="0" indent="0">
-              <a:buNone/>
-            </a:pPr>
-            <a:endParaRPr lang="zh-CN" altLang="en-US"/>
-          </a:p>
-          <a:p>
-            <a:pPr marL="0" indent="0">
-              <a:buNone/>
-            </a:pPr>
-            <a:r>
-              <a:rPr lang="zh-CN" altLang="en-US"/>
-              <a:t>百位和十位表示</a:t>
-            </a:r>
-            <a:r>
-              <a:rPr lang="zh-CN" altLang="en-US"/>
-              <a:t>点数</a:t>
-            </a:r>
-            <a:endParaRPr lang="zh-CN" altLang="en-US"/>
-          </a:p>
-          <a:p>
-            <a:pPr marL="0" indent="0">
-              <a:buNone/>
-            </a:pPr>
-            <a:endParaRPr lang="zh-CN" altLang="en-US"/>
-          </a:p>
-          <a:p>
-            <a:pPr marL="0" indent="0">
-              <a:buNone/>
-            </a:pPr>
-            <a:r>
-              <a:rPr lang="zh-CN" altLang="en-US"/>
-              <a:t>个位表示</a:t>
-            </a:r>
-            <a:r>
-              <a:rPr lang="zh-CN" altLang="en-US"/>
-              <a:t>花色</a:t>
+              <a:t>扑克牌的表示：</a:t>
+            </a:r>
+            <a:endParaRPr lang="zh-CN" altLang="en-US"/>
+          </a:p>
+          <a:p>
+            <a:pPr marL="0" indent="0">
+              <a:buNone/>
+            </a:pPr>
+            <a:r>
+              <a:rPr lang="zh-CN" altLang="en-US"/>
+              <a:t>一个三位数</a:t>
+            </a:r>
+            <a:endParaRPr lang="zh-CN" altLang="en-US"/>
+          </a:p>
+          <a:p>
+            <a:pPr marL="0" indent="0">
+              <a:buNone/>
+            </a:pPr>
+            <a:endParaRPr lang="zh-CN" altLang="en-US"/>
+          </a:p>
+          <a:p>
+            <a:pPr marL="0" indent="0">
+              <a:buNone/>
+            </a:pPr>
+            <a:r>
+              <a:rPr lang="zh-CN" altLang="en-US"/>
+              <a:t>百位和十位表示点数</a:t>
+            </a:r>
+            <a:endParaRPr lang="zh-CN" altLang="en-US"/>
+          </a:p>
+          <a:p>
+            <a:pPr marL="0" indent="0">
+              <a:buNone/>
+            </a:pPr>
+            <a:endParaRPr lang="zh-CN" altLang="en-US"/>
+          </a:p>
+          <a:p>
+            <a:pPr marL="0" indent="0">
+              <a:buNone/>
+            </a:pPr>
+            <a:r>
+              <a:rPr lang="zh-CN" altLang="en-US"/>
+              <a:t>个位表示花色</a:t>
             </a:r>
             <a:endParaRPr lang="zh-CN" altLang="en-US"/>
           </a:p>
@@ -7763,7 +9246,14 @@
         <p:cNvGrpSpPr/>
         <p:nvPr/>
       </p:nvGrpSpPr>
-      <p:grpSpPr/>
+      <p:grpSpPr>
+        <a:xfrm>
+          <a:off x="0" y="0"/>
+          <a:ext cx="0" cy="0"/>
+          <a:chOff x="0" y="0"/>
+          <a:chExt cx="0" cy="0"/>
+        </a:xfrm>
+      </p:grpSpPr>
       <p:sp>
         <p:nvSpPr>
           <p:cNvPr id="2" name="标题 1"/>
@@ -7777,6 +9267,7 @@
         <p:spPr/>
         <p:txBody>
           <a:bodyPr/>
+          <a:lstStyle/>
           <a:p>
             <a:r>
               <a:rPr lang="zh-CN" altLang="en-US">
@@ -7792,7 +9283,7 @@
         <p:nvPicPr>
           <p:cNvPr id="4" name="内容占位符 3"/>
           <p:cNvPicPr>
-            <a:picLocks noChangeAspect="1"/>
+            <a:picLocks noGrp="1" noChangeAspect="1"/>
           </p:cNvPicPr>
           <p:nvPr>
             <p:ph idx="1"/>
